--- a/water-fall/10_要件定義/10_タスク管理システム_全体像_v1.0.pptx
+++ b/water-fall/10_要件定義/10_タスク管理システム_全体像_v1.0.pptx
@@ -5,16 +5,18 @@
     <p:sldMasterId id="2147483648" r:id="rId4"/>
   </p:sldMasterIdLst>
   <p:notesMasterIdLst>
-    <p:notesMasterId r:id="rId9"/>
+    <p:notesMasterId r:id="rId11"/>
   </p:notesMasterIdLst>
   <p:handoutMasterIdLst>
-    <p:handoutMasterId r:id="rId10"/>
+    <p:handoutMasterId r:id="rId12"/>
   </p:handoutMasterIdLst>
   <p:sldIdLst>
     <p:sldId id="256" r:id="rId5"/>
-    <p:sldId id="286" r:id="rId6"/>
-    <p:sldId id="287" r:id="rId7"/>
-    <p:sldId id="288" r:id="rId8"/>
+    <p:sldId id="289" r:id="rId6"/>
+    <p:sldId id="286" r:id="rId7"/>
+    <p:sldId id="287" r:id="rId8"/>
+    <p:sldId id="288" r:id="rId9"/>
+    <p:sldId id="290" r:id="rId10"/>
   </p:sldIdLst>
   <p:sldSz cx="12192000" cy="6858000"/>
   <p:notesSz cx="6858000" cy="9144000"/>
@@ -226,7 +228,7 @@
                 <a:latin typeface="Meiryo UI" panose="020B0604030504040204" pitchFamily="50" charset="-128"/>
                 <a:ea typeface="Meiryo UI" panose="020B0604030504040204" pitchFamily="50" charset="-128"/>
               </a:rPr>
-              <a:t>2024/6/27</a:t>
+              <a:t>2024/6/30</a:t>
             </a:fld>
             <a:endParaRPr lang="ja-JP" dirty="0">
               <a:latin typeface="Meiryo UI" panose="020B0604030504040204" pitchFamily="50" charset="-128"/>
@@ -426,7 +428,7 @@
           <a:p>
             <a:fld id="{E3D54C56-56CB-4310-BBD3-0C7DA2EFBA3C}" type="datetime1">
               <a:rPr lang="ja-JP" altLang="en-US" smtClean="0"/>
-              <a:t>2024/6/27</a:t>
+              <a:t>2024/6/30</a:t>
             </a:fld>
             <a:endParaRPr lang="en-US" dirty="0">
               <a:ea typeface="Meiryo UI" panose="020B0604030504040204" pitchFamily="50" charset="-128"/>
@@ -6449,11 +6451,11 @@
             <a:pPr rtl="0"/>
             <a:r>
               <a:rPr lang="ja-JP" altLang="en-US" dirty="0"/>
-              <a:t>タスク管理システム 全体像 </a:t>
-            </a:r>
-            <a:r>
-              <a:rPr lang="en-US" altLang="ja-JP" dirty="0"/>
-              <a:t>v1.0</a:t>
+              <a:t>タスク管理</a:t>
+            </a:r>
+            <a:r>
+              <a:rPr lang="ja-JP" altLang="en-US"/>
+              <a:t>システム 全体像</a:t>
             </a:r>
             <a:endParaRPr lang="ja-JP" dirty="0"/>
           </a:p>
@@ -6517,7 +6519,7 @@
           <a:p>
             <a:r>
               <a:rPr lang="ja-JP" altLang="en-US" dirty="0"/>
-              <a:t>概要</a:t>
+              <a:t>改定履歴</a:t>
             </a:r>
           </a:p>
         </p:txBody>
@@ -6553,135 +6555,520 @@
           </a:p>
         </p:txBody>
       </p:sp>
-      <p:sp>
-        <p:nvSpPr>
-          <p:cNvPr id="7" name="テキスト ボックス 6">
-            <a:extLst>
-              <a:ext uri="{FF2B5EF4-FFF2-40B4-BE49-F238E27FC236}">
-                <a16:creationId xmlns:a16="http://schemas.microsoft.com/office/drawing/2014/main" id="{E1855F9F-70F4-0C62-F4CD-F5F582F60779}"/>
-              </a:ext>
-            </a:extLst>
-          </p:cNvPr>
-          <p:cNvSpPr txBox="1"/>
-          <p:nvPr/>
-        </p:nvSpPr>
-        <p:spPr>
-          <a:xfrm>
-            <a:off x="758699" y="1149531"/>
-            <a:ext cx="10702834" cy="4524315"/>
-          </a:xfrm>
-          <a:prstGeom prst="rect">
-            <a:avLst/>
-          </a:prstGeom>
-          <a:noFill/>
-        </p:spPr>
-        <p:txBody>
-          <a:bodyPr wrap="square" rtlCol="0">
-            <a:spAutoFit/>
-          </a:bodyPr>
-          <a:lstStyle/>
-          <a:p>
-            <a:r>
-              <a:rPr kumimoji="1" lang="ja-JP" altLang="en-US" b="1" dirty="0"/>
-              <a:t>背景</a:t>
-            </a:r>
-            <a:endParaRPr kumimoji="1" lang="en-US" altLang="ja-JP" b="1" dirty="0"/>
-          </a:p>
-          <a:p>
-            <a:endParaRPr kumimoji="1" lang="en-US" altLang="ja-JP" dirty="0"/>
-          </a:p>
-          <a:p>
-            <a:pPr lvl="1"/>
-            <a:r>
-              <a:rPr kumimoji="1" lang="ja-JP" altLang="en-US" dirty="0"/>
-              <a:t>タスク管理が</a:t>
-            </a:r>
-            <a:r>
-              <a:rPr kumimoji="1" lang="en-US" altLang="ja-JP" dirty="0"/>
-              <a:t>PC</a:t>
-            </a:r>
-            <a:r>
-              <a:rPr kumimoji="1" lang="ja-JP" altLang="en-US" dirty="0"/>
-              <a:t>内のファイルで管理されており、</a:t>
-            </a:r>
-            <a:r>
-              <a:rPr kumimoji="1" lang="en-US" altLang="ja-JP" dirty="0"/>
-              <a:t>PC</a:t>
-            </a:r>
-            <a:r>
-              <a:rPr kumimoji="1" lang="ja-JP" altLang="en-US" dirty="0"/>
-              <a:t>を持っていない外出先でタスクを確認することができない問題が発生している。</a:t>
-            </a:r>
-            <a:endParaRPr kumimoji="1" lang="en-US" altLang="ja-JP" dirty="0"/>
-          </a:p>
-          <a:p>
-            <a:endParaRPr kumimoji="1" lang="en-US" altLang="ja-JP" dirty="0"/>
-          </a:p>
-          <a:p>
-            <a:r>
-              <a:rPr kumimoji="1" lang="ja-JP" altLang="en-US" b="1" dirty="0"/>
-              <a:t>目的</a:t>
-            </a:r>
-            <a:endParaRPr kumimoji="1" lang="en-US" altLang="ja-JP" b="1" dirty="0"/>
-          </a:p>
-          <a:p>
-            <a:endParaRPr kumimoji="1" lang="en-US" altLang="ja-JP" dirty="0"/>
-          </a:p>
-          <a:p>
-            <a:pPr lvl="1"/>
-            <a:r>
-              <a:rPr kumimoji="1" lang="ja-JP" altLang="en-US" dirty="0"/>
-              <a:t>スマホでもタスクを確認・消込できる仕組みを構築し、外出先でもタスクを確認・消込できるようにする。</a:t>
-            </a:r>
-            <a:endParaRPr kumimoji="1" lang="en-US" altLang="ja-JP" dirty="0"/>
-          </a:p>
-          <a:p>
-            <a:endParaRPr kumimoji="1" lang="en-US" altLang="ja-JP" dirty="0"/>
-          </a:p>
-          <a:p>
-            <a:r>
-              <a:rPr kumimoji="1" lang="ja-JP" altLang="en-US" b="1" dirty="0"/>
-              <a:t>体制</a:t>
-            </a:r>
-            <a:endParaRPr kumimoji="1" lang="en-US" altLang="ja-JP" b="1" dirty="0"/>
-          </a:p>
-          <a:p>
-            <a:endParaRPr kumimoji="1" lang="en-US" altLang="ja-JP" dirty="0"/>
-          </a:p>
-          <a:p>
-            <a:pPr lvl="1"/>
-            <a:r>
-              <a:rPr kumimoji="1" lang="ja-JP" altLang="en-US" dirty="0"/>
-              <a:t>設計・開発：私</a:t>
-            </a:r>
-            <a:endParaRPr kumimoji="1" lang="en-US" altLang="ja-JP" dirty="0"/>
-          </a:p>
-          <a:p>
-            <a:endParaRPr kumimoji="1" lang="en-US" altLang="ja-JP" dirty="0"/>
-          </a:p>
-          <a:p>
-            <a:r>
-              <a:rPr kumimoji="1" lang="ja-JP" altLang="en-US" b="1" dirty="0"/>
-              <a:t>期限</a:t>
-            </a:r>
-            <a:endParaRPr kumimoji="1" lang="en-US" altLang="ja-JP" b="1" dirty="0"/>
-          </a:p>
-          <a:p>
-            <a:endParaRPr kumimoji="1" lang="en-US" altLang="ja-JP" dirty="0"/>
-          </a:p>
-          <a:p>
-            <a:pPr lvl="1"/>
-            <a:r>
-              <a:rPr kumimoji="1" lang="ja-JP" altLang="en-US" dirty="0"/>
-              <a:t>無期限</a:t>
-            </a:r>
-          </a:p>
-        </p:txBody>
-      </p:sp>
+      <p:graphicFrame>
+        <p:nvGraphicFramePr>
+          <p:cNvPr id="2" name="表 1">
+            <a:extLst>
+              <a:ext uri="{FF2B5EF4-FFF2-40B4-BE49-F238E27FC236}">
+                <a16:creationId xmlns:a16="http://schemas.microsoft.com/office/drawing/2014/main" id="{3ADAFE84-6BBE-263B-2CF2-C898935DD22A}"/>
+              </a:ext>
+            </a:extLst>
+          </p:cNvPr>
+          <p:cNvGraphicFramePr>
+            <a:graphicFrameLocks noGrp="1"/>
+          </p:cNvGraphicFramePr>
+          <p:nvPr>
+            <p:extLst>
+              <p:ext uri="{D42A27DB-BD31-4B8C-83A1-F6EECF244321}">
+                <p14:modId xmlns:p14="http://schemas.microsoft.com/office/powerpoint/2010/main" val="1962274576"/>
+              </p:ext>
+            </p:extLst>
+          </p:nvPr>
+        </p:nvGraphicFramePr>
+        <p:xfrm>
+          <a:off x="830018" y="1268760"/>
+          <a:ext cx="10536453" cy="2595880"/>
+        </p:xfrm>
+        <a:graphic>
+          <a:graphicData uri="http://schemas.openxmlformats.org/drawingml/2006/table">
+            <a:tbl>
+              <a:tblPr firstRow="1" bandRow="1" bandCol="1">
+                <a:tableStyleId>{5A111915-BE36-4E01-A7E5-04B1672EAD32}</a:tableStyleId>
+              </a:tblPr>
+              <a:tblGrid>
+                <a:gridCol w="787400">
+                  <a:extLst>
+                    <a:ext uri="{9D8B030D-6E8A-4147-A177-3AD203B41FA5}">
+                      <a16:colId xmlns:a16="http://schemas.microsoft.com/office/drawing/2014/main" val="3520904818"/>
+                    </a:ext>
+                  </a:extLst>
+                </a:gridCol>
+                <a:gridCol w="1715453">
+                  <a:extLst>
+                    <a:ext uri="{9D8B030D-6E8A-4147-A177-3AD203B41FA5}">
+                      <a16:colId xmlns:a16="http://schemas.microsoft.com/office/drawing/2014/main" val="1537818824"/>
+                    </a:ext>
+                  </a:extLst>
+                </a:gridCol>
+                <a:gridCol w="1625600">
+                  <a:extLst>
+                    <a:ext uri="{9D8B030D-6E8A-4147-A177-3AD203B41FA5}">
+                      <a16:colId xmlns:a16="http://schemas.microsoft.com/office/drawing/2014/main" val="938492706"/>
+                    </a:ext>
+                  </a:extLst>
+                </a:gridCol>
+                <a:gridCol w="2289657">
+                  <a:extLst>
+                    <a:ext uri="{9D8B030D-6E8A-4147-A177-3AD203B41FA5}">
+                      <a16:colId xmlns:a16="http://schemas.microsoft.com/office/drawing/2014/main" val="916804057"/>
+                    </a:ext>
+                  </a:extLst>
+                </a:gridCol>
+                <a:gridCol w="4118343">
+                  <a:extLst>
+                    <a:ext uri="{9D8B030D-6E8A-4147-A177-3AD203B41FA5}">
+                      <a16:colId xmlns:a16="http://schemas.microsoft.com/office/drawing/2014/main" val="2418504283"/>
+                    </a:ext>
+                  </a:extLst>
+                </a:gridCol>
+              </a:tblGrid>
+              <a:tr h="370840">
+                <a:tc>
+                  <a:txBody>
+                    <a:bodyPr/>
+                    <a:lstStyle/>
+                    <a:p>
+                      <a:pPr algn="ctr"/>
+                      <a:r>
+                        <a:rPr kumimoji="1" lang="en-US" altLang="ja-JP" sz="1400" dirty="0"/>
+                        <a:t>Ver. </a:t>
+                      </a:r>
+                      <a:endParaRPr kumimoji="1" lang="ja-JP" altLang="en-US" sz="1400" dirty="0"/>
+                    </a:p>
+                  </a:txBody>
+                  <a:tcPr/>
+                </a:tc>
+                <a:tc>
+                  <a:txBody>
+                    <a:bodyPr/>
+                    <a:lstStyle/>
+                    <a:p>
+                      <a:pPr algn="ctr"/>
+                      <a:r>
+                        <a:rPr kumimoji="1" lang="ja-JP" altLang="en-US" sz="1400" dirty="0"/>
+                        <a:t>改訂日</a:t>
+                      </a:r>
+                    </a:p>
+                  </a:txBody>
+                  <a:tcPr/>
+                </a:tc>
+                <a:tc>
+                  <a:txBody>
+                    <a:bodyPr/>
+                    <a:lstStyle/>
+                    <a:p>
+                      <a:pPr algn="ctr"/>
+                      <a:r>
+                        <a:rPr kumimoji="1" lang="ja-JP" altLang="en-US" sz="1400" dirty="0"/>
+                        <a:t>改訂者</a:t>
+                      </a:r>
+                    </a:p>
+                  </a:txBody>
+                  <a:tcPr/>
+                </a:tc>
+                <a:tc>
+                  <a:txBody>
+                    <a:bodyPr/>
+                    <a:lstStyle/>
+                    <a:p>
+                      <a:pPr algn="ctr"/>
+                      <a:r>
+                        <a:rPr kumimoji="1" lang="ja-JP" altLang="en-US" sz="1400" dirty="0"/>
+                        <a:t>改訂箇所</a:t>
+                      </a:r>
+                    </a:p>
+                  </a:txBody>
+                  <a:tcPr/>
+                </a:tc>
+                <a:tc>
+                  <a:txBody>
+                    <a:bodyPr/>
+                    <a:lstStyle/>
+                    <a:p>
+                      <a:pPr algn="ctr"/>
+                      <a:r>
+                        <a:rPr kumimoji="1" lang="ja-JP" altLang="en-US" sz="1400" dirty="0"/>
+                        <a:t>改訂内容</a:t>
+                      </a:r>
+                    </a:p>
+                  </a:txBody>
+                  <a:tcPr/>
+                </a:tc>
+                <a:extLst>
+                  <a:ext uri="{0D108BD9-81ED-4DB2-BD59-A6C34878D82A}">
+                    <a16:rowId xmlns:a16="http://schemas.microsoft.com/office/drawing/2014/main" val="514727191"/>
+                  </a:ext>
+                </a:extLst>
+              </a:tr>
+              <a:tr h="370840">
+                <a:tc>
+                  <a:txBody>
+                    <a:bodyPr/>
+                    <a:lstStyle/>
+                    <a:p>
+                      <a:r>
+                        <a:rPr kumimoji="1" lang="en-US" altLang="ja-JP" sz="1400" dirty="0"/>
+                        <a:t>1.0</a:t>
+                      </a:r>
+                      <a:endParaRPr kumimoji="1" lang="ja-JP" altLang="en-US" sz="1400" dirty="0"/>
+                    </a:p>
+                  </a:txBody>
+                  <a:tcPr/>
+                </a:tc>
+                <a:tc>
+                  <a:txBody>
+                    <a:bodyPr/>
+                    <a:lstStyle/>
+                    <a:p>
+                      <a:r>
+                        <a:rPr kumimoji="1" lang="en-US" altLang="ja-JP" sz="1400" dirty="0"/>
+                        <a:t>2024/06/30</a:t>
+                      </a:r>
+                      <a:endParaRPr kumimoji="1" lang="ja-JP" altLang="en-US" sz="1400" dirty="0"/>
+                    </a:p>
+                  </a:txBody>
+                  <a:tcPr/>
+                </a:tc>
+                <a:tc>
+                  <a:txBody>
+                    <a:bodyPr/>
+                    <a:lstStyle/>
+                    <a:p>
+                      <a:r>
+                        <a:rPr kumimoji="1" lang="en-US" altLang="ja-JP" sz="1400" dirty="0"/>
+                        <a:t>xxx</a:t>
+                      </a:r>
+                      <a:endParaRPr kumimoji="1" lang="ja-JP" altLang="en-US" sz="1400" dirty="0"/>
+                    </a:p>
+                  </a:txBody>
+                  <a:tcPr/>
+                </a:tc>
+                <a:tc>
+                  <a:txBody>
+                    <a:bodyPr/>
+                    <a:lstStyle/>
+                    <a:p>
+                      <a:r>
+                        <a:rPr kumimoji="1" lang="en-US" altLang="ja-JP" sz="1400" dirty="0"/>
+                        <a:t>-</a:t>
+                      </a:r>
+                      <a:endParaRPr kumimoji="1" lang="ja-JP" altLang="en-US" sz="1400" dirty="0"/>
+                    </a:p>
+                  </a:txBody>
+                  <a:tcPr/>
+                </a:tc>
+                <a:tc>
+                  <a:txBody>
+                    <a:bodyPr/>
+                    <a:lstStyle/>
+                    <a:p>
+                      <a:r>
+                        <a:rPr kumimoji="1" lang="ja-JP" altLang="en-US" sz="1400" dirty="0"/>
+                        <a:t>初版作成</a:t>
+                      </a:r>
+                    </a:p>
+                  </a:txBody>
+                  <a:tcPr/>
+                </a:tc>
+                <a:extLst>
+                  <a:ext uri="{0D108BD9-81ED-4DB2-BD59-A6C34878D82A}">
+                    <a16:rowId xmlns:a16="http://schemas.microsoft.com/office/drawing/2014/main" val="629846792"/>
+                  </a:ext>
+                </a:extLst>
+              </a:tr>
+              <a:tr h="370840">
+                <a:tc>
+                  <a:txBody>
+                    <a:bodyPr/>
+                    <a:lstStyle/>
+                    <a:p>
+                      <a:endParaRPr kumimoji="1" lang="ja-JP" altLang="en-US" sz="1400"/>
+                    </a:p>
+                  </a:txBody>
+                  <a:tcPr/>
+                </a:tc>
+                <a:tc>
+                  <a:txBody>
+                    <a:bodyPr/>
+                    <a:lstStyle/>
+                    <a:p>
+                      <a:endParaRPr kumimoji="1" lang="ja-JP" altLang="en-US" sz="1400"/>
+                    </a:p>
+                  </a:txBody>
+                  <a:tcPr/>
+                </a:tc>
+                <a:tc>
+                  <a:txBody>
+                    <a:bodyPr/>
+                    <a:lstStyle/>
+                    <a:p>
+                      <a:endParaRPr kumimoji="1" lang="ja-JP" altLang="en-US" sz="1400"/>
+                    </a:p>
+                  </a:txBody>
+                  <a:tcPr/>
+                </a:tc>
+                <a:tc>
+                  <a:txBody>
+                    <a:bodyPr/>
+                    <a:lstStyle/>
+                    <a:p>
+                      <a:endParaRPr kumimoji="1" lang="ja-JP" altLang="en-US" sz="1400"/>
+                    </a:p>
+                  </a:txBody>
+                  <a:tcPr/>
+                </a:tc>
+                <a:tc>
+                  <a:txBody>
+                    <a:bodyPr/>
+                    <a:lstStyle/>
+                    <a:p>
+                      <a:endParaRPr kumimoji="1" lang="ja-JP" altLang="en-US" sz="1400"/>
+                    </a:p>
+                  </a:txBody>
+                  <a:tcPr/>
+                </a:tc>
+                <a:extLst>
+                  <a:ext uri="{0D108BD9-81ED-4DB2-BD59-A6C34878D82A}">
+                    <a16:rowId xmlns:a16="http://schemas.microsoft.com/office/drawing/2014/main" val="244502969"/>
+                  </a:ext>
+                </a:extLst>
+              </a:tr>
+              <a:tr h="370840">
+                <a:tc>
+                  <a:txBody>
+                    <a:bodyPr/>
+                    <a:lstStyle/>
+                    <a:p>
+                      <a:endParaRPr kumimoji="1" lang="ja-JP" altLang="en-US" sz="1400"/>
+                    </a:p>
+                  </a:txBody>
+                  <a:tcPr/>
+                </a:tc>
+                <a:tc>
+                  <a:txBody>
+                    <a:bodyPr/>
+                    <a:lstStyle/>
+                    <a:p>
+                      <a:endParaRPr kumimoji="1" lang="ja-JP" altLang="en-US" sz="1400"/>
+                    </a:p>
+                  </a:txBody>
+                  <a:tcPr/>
+                </a:tc>
+                <a:tc>
+                  <a:txBody>
+                    <a:bodyPr/>
+                    <a:lstStyle/>
+                    <a:p>
+                      <a:endParaRPr kumimoji="1" lang="ja-JP" altLang="en-US" sz="1400"/>
+                    </a:p>
+                  </a:txBody>
+                  <a:tcPr/>
+                </a:tc>
+                <a:tc>
+                  <a:txBody>
+                    <a:bodyPr/>
+                    <a:lstStyle/>
+                    <a:p>
+                      <a:endParaRPr kumimoji="1" lang="ja-JP" altLang="en-US" sz="1400"/>
+                    </a:p>
+                  </a:txBody>
+                  <a:tcPr/>
+                </a:tc>
+                <a:tc>
+                  <a:txBody>
+                    <a:bodyPr/>
+                    <a:lstStyle/>
+                    <a:p>
+                      <a:endParaRPr kumimoji="1" lang="ja-JP" altLang="en-US" sz="1400"/>
+                    </a:p>
+                  </a:txBody>
+                  <a:tcPr/>
+                </a:tc>
+                <a:extLst>
+                  <a:ext uri="{0D108BD9-81ED-4DB2-BD59-A6C34878D82A}">
+                    <a16:rowId xmlns:a16="http://schemas.microsoft.com/office/drawing/2014/main" val="3708579010"/>
+                  </a:ext>
+                </a:extLst>
+              </a:tr>
+              <a:tr h="370840">
+                <a:tc>
+                  <a:txBody>
+                    <a:bodyPr/>
+                    <a:lstStyle/>
+                    <a:p>
+                      <a:endParaRPr kumimoji="1" lang="ja-JP" altLang="en-US" sz="1400"/>
+                    </a:p>
+                  </a:txBody>
+                  <a:tcPr/>
+                </a:tc>
+                <a:tc>
+                  <a:txBody>
+                    <a:bodyPr/>
+                    <a:lstStyle/>
+                    <a:p>
+                      <a:endParaRPr kumimoji="1" lang="ja-JP" altLang="en-US" sz="1400"/>
+                    </a:p>
+                  </a:txBody>
+                  <a:tcPr/>
+                </a:tc>
+                <a:tc>
+                  <a:txBody>
+                    <a:bodyPr/>
+                    <a:lstStyle/>
+                    <a:p>
+                      <a:endParaRPr kumimoji="1" lang="ja-JP" altLang="en-US" sz="1400"/>
+                    </a:p>
+                  </a:txBody>
+                  <a:tcPr/>
+                </a:tc>
+                <a:tc>
+                  <a:txBody>
+                    <a:bodyPr/>
+                    <a:lstStyle/>
+                    <a:p>
+                      <a:endParaRPr kumimoji="1" lang="ja-JP" altLang="en-US" sz="1400"/>
+                    </a:p>
+                  </a:txBody>
+                  <a:tcPr/>
+                </a:tc>
+                <a:tc>
+                  <a:txBody>
+                    <a:bodyPr/>
+                    <a:lstStyle/>
+                    <a:p>
+                      <a:endParaRPr kumimoji="1" lang="ja-JP" altLang="en-US" sz="1400"/>
+                    </a:p>
+                  </a:txBody>
+                  <a:tcPr/>
+                </a:tc>
+                <a:extLst>
+                  <a:ext uri="{0D108BD9-81ED-4DB2-BD59-A6C34878D82A}">
+                    <a16:rowId xmlns:a16="http://schemas.microsoft.com/office/drawing/2014/main" val="467020094"/>
+                  </a:ext>
+                </a:extLst>
+              </a:tr>
+              <a:tr h="370840">
+                <a:tc>
+                  <a:txBody>
+                    <a:bodyPr/>
+                    <a:lstStyle/>
+                    <a:p>
+                      <a:endParaRPr kumimoji="1" lang="ja-JP" altLang="en-US" sz="1400"/>
+                    </a:p>
+                  </a:txBody>
+                  <a:tcPr/>
+                </a:tc>
+                <a:tc>
+                  <a:txBody>
+                    <a:bodyPr/>
+                    <a:lstStyle/>
+                    <a:p>
+                      <a:endParaRPr kumimoji="1" lang="ja-JP" altLang="en-US" sz="1400"/>
+                    </a:p>
+                  </a:txBody>
+                  <a:tcPr/>
+                </a:tc>
+                <a:tc>
+                  <a:txBody>
+                    <a:bodyPr/>
+                    <a:lstStyle/>
+                    <a:p>
+                      <a:endParaRPr kumimoji="1" lang="ja-JP" altLang="en-US" sz="1400"/>
+                    </a:p>
+                  </a:txBody>
+                  <a:tcPr/>
+                </a:tc>
+                <a:tc>
+                  <a:txBody>
+                    <a:bodyPr/>
+                    <a:lstStyle/>
+                    <a:p>
+                      <a:endParaRPr kumimoji="1" lang="ja-JP" altLang="en-US" sz="1400"/>
+                    </a:p>
+                  </a:txBody>
+                  <a:tcPr/>
+                </a:tc>
+                <a:tc>
+                  <a:txBody>
+                    <a:bodyPr/>
+                    <a:lstStyle/>
+                    <a:p>
+                      <a:endParaRPr kumimoji="1" lang="ja-JP" altLang="en-US" sz="1400"/>
+                    </a:p>
+                  </a:txBody>
+                  <a:tcPr/>
+                </a:tc>
+                <a:extLst>
+                  <a:ext uri="{0D108BD9-81ED-4DB2-BD59-A6C34878D82A}">
+                    <a16:rowId xmlns:a16="http://schemas.microsoft.com/office/drawing/2014/main" val="4000537909"/>
+                  </a:ext>
+                </a:extLst>
+              </a:tr>
+              <a:tr h="370840">
+                <a:tc>
+                  <a:txBody>
+                    <a:bodyPr/>
+                    <a:lstStyle/>
+                    <a:p>
+                      <a:endParaRPr kumimoji="1" lang="ja-JP" altLang="en-US" sz="1400"/>
+                    </a:p>
+                  </a:txBody>
+                  <a:tcPr/>
+                </a:tc>
+                <a:tc>
+                  <a:txBody>
+                    <a:bodyPr/>
+                    <a:lstStyle/>
+                    <a:p>
+                      <a:endParaRPr kumimoji="1" lang="ja-JP" altLang="en-US" sz="1400" dirty="0"/>
+                    </a:p>
+                  </a:txBody>
+                  <a:tcPr/>
+                </a:tc>
+                <a:tc>
+                  <a:txBody>
+                    <a:bodyPr/>
+                    <a:lstStyle/>
+                    <a:p>
+                      <a:endParaRPr kumimoji="1" lang="ja-JP" altLang="en-US" sz="1400"/>
+                    </a:p>
+                  </a:txBody>
+                  <a:tcPr/>
+                </a:tc>
+                <a:tc>
+                  <a:txBody>
+                    <a:bodyPr/>
+                    <a:lstStyle/>
+                    <a:p>
+                      <a:endParaRPr kumimoji="1" lang="ja-JP" altLang="en-US" sz="1400"/>
+                    </a:p>
+                  </a:txBody>
+                  <a:tcPr/>
+                </a:tc>
+                <a:tc>
+                  <a:txBody>
+                    <a:bodyPr/>
+                    <a:lstStyle/>
+                    <a:p>
+                      <a:endParaRPr kumimoji="1" lang="ja-JP" altLang="en-US" sz="1400" dirty="0"/>
+                    </a:p>
+                  </a:txBody>
+                  <a:tcPr/>
+                </a:tc>
+                <a:extLst>
+                  <a:ext uri="{0D108BD9-81ED-4DB2-BD59-A6C34878D82A}">
+                    <a16:rowId xmlns:a16="http://schemas.microsoft.com/office/drawing/2014/main" val="1255254458"/>
+                  </a:ext>
+                </a:extLst>
+              </a:tr>
+            </a:tbl>
+          </a:graphicData>
+        </a:graphic>
+      </p:graphicFrame>
     </p:spTree>
     <p:extLst>
       <p:ext uri="{BB962C8B-B14F-4D97-AF65-F5344CB8AC3E}">
-        <p14:creationId xmlns:p14="http://schemas.microsoft.com/office/powerpoint/2010/main" val="2641937492"/>
+        <p14:creationId xmlns:p14="http://schemas.microsoft.com/office/powerpoint/2010/main" val="679466605"/>
       </p:ext>
     </p:extLst>
   </p:cSld>
@@ -6710,10 +7097,10 @@
       </p:grpSpPr>
       <p:sp>
         <p:nvSpPr>
-          <p:cNvPr id="2" name="タイトル 1">
-            <a:extLst>
-              <a:ext uri="{FF2B5EF4-FFF2-40B4-BE49-F238E27FC236}">
-                <a16:creationId xmlns:a16="http://schemas.microsoft.com/office/drawing/2014/main" id="{68A2F1CC-612A-BD05-851C-6DDC541023A0}"/>
+          <p:cNvPr id="5" name="タイトル 4">
+            <a:extLst>
+              <a:ext uri="{FF2B5EF4-FFF2-40B4-BE49-F238E27FC236}">
+                <a16:creationId xmlns:a16="http://schemas.microsoft.com/office/drawing/2014/main" id="{5EC25EC3-18C0-A3D9-DE1D-AF989D0E922C}"/>
               </a:ext>
             </a:extLst>
           </p:cNvPr>
@@ -6724,14 +7111,19 @@
             <p:ph type="title"/>
           </p:nvPr>
         </p:nvSpPr>
-        <p:spPr/>
+        <p:spPr>
+          <a:xfrm>
+            <a:off x="838200" y="353551"/>
+            <a:ext cx="10515600" cy="503700"/>
+          </a:xfrm>
+        </p:spPr>
         <p:txBody>
           <a:bodyPr/>
           <a:lstStyle/>
           <a:p>
             <a:r>
-              <a:rPr kumimoji="1" lang="ja-JP" altLang="en-US" dirty="0"/>
-              <a:t>全体像（ユースケース）</a:t>
+              <a:rPr lang="ja-JP" altLang="en-US" dirty="0"/>
+              <a:t>概要</a:t>
             </a:r>
           </a:p>
         </p:txBody>
@@ -6741,7 +7133,7 @@
           <p:cNvPr id="4" name="スライド番号プレースホルダー 3">
             <a:extLst>
               <a:ext uri="{FF2B5EF4-FFF2-40B4-BE49-F238E27FC236}">
-                <a16:creationId xmlns:a16="http://schemas.microsoft.com/office/drawing/2014/main" id="{3696E969-6B62-D33A-59CB-CA17E0A38BAB}"/>
+                <a16:creationId xmlns:a16="http://schemas.microsoft.com/office/drawing/2014/main" id="{F680FF2A-7905-DAB9-7B62-28ABD055460C}"/>
               </a:ext>
             </a:extLst>
           </p:cNvPr>
@@ -6757,104 +7149,22 @@
           <a:bodyPr/>
           <a:lstStyle/>
           <a:p>
+            <a:pPr rtl="0"/>
             <a:fld id="{A49DFD55-3C28-40EF-9E31-A92D2E4017FF}" type="slidenum">
               <a:rPr lang="en-US" altLang="ja-JP" smtClean="0"/>
-              <a:pPr/>
+              <a:pPr rtl="0"/>
               <a:t>3</a:t>
             </a:fld>
-            <a:endParaRPr lang="en-US" altLang="en-US" dirty="0"/>
+            <a:endParaRPr lang="ja-JP" dirty="0"/>
           </a:p>
         </p:txBody>
       </p:sp>
       <p:sp>
         <p:nvSpPr>
-          <p:cNvPr id="5" name="四角形: 角を丸くする 4">
-            <a:extLst>
-              <a:ext uri="{FF2B5EF4-FFF2-40B4-BE49-F238E27FC236}">
-                <a16:creationId xmlns:a16="http://schemas.microsoft.com/office/drawing/2014/main" id="{6B9DCB8B-7833-9BC1-3ACF-EC555D0B2258}"/>
-              </a:ext>
-            </a:extLst>
-          </p:cNvPr>
-          <p:cNvSpPr/>
-          <p:nvPr/>
-        </p:nvSpPr>
-        <p:spPr>
-          <a:xfrm>
-            <a:off x="5015880" y="2978950"/>
-            <a:ext cx="2160240" cy="900100"/>
-          </a:xfrm>
-          <a:prstGeom prst="roundRect">
-            <a:avLst/>
-          </a:prstGeom>
-        </p:spPr>
-        <p:style>
-          <a:lnRef idx="1">
-            <a:schemeClr val="accent5"/>
-          </a:lnRef>
-          <a:fillRef idx="3">
-            <a:schemeClr val="accent5"/>
-          </a:fillRef>
-          <a:effectRef idx="2">
-            <a:schemeClr val="accent5"/>
-          </a:effectRef>
-          <a:fontRef idx="minor">
-            <a:schemeClr val="lt1"/>
-          </a:fontRef>
-        </p:style>
-        <p:txBody>
-          <a:bodyPr rtlCol="0" anchor="ctr"/>
-          <a:lstStyle/>
-          <a:p>
-            <a:pPr algn="ctr"/>
-            <a:r>
-              <a:rPr kumimoji="1" lang="ja-JP" altLang="en-US" dirty="0"/>
-              <a:t>タスク管理システム</a:t>
-            </a:r>
-          </a:p>
-        </p:txBody>
-      </p:sp>
-      <p:pic>
-        <p:nvPicPr>
-          <p:cNvPr id="7" name="グラフィックス 6" descr="ユーザー 単色塗りつぶし">
-            <a:extLst>
-              <a:ext uri="{FF2B5EF4-FFF2-40B4-BE49-F238E27FC236}">
-                <a16:creationId xmlns:a16="http://schemas.microsoft.com/office/drawing/2014/main" id="{B7858933-B025-00A9-4221-B5A93E63F693}"/>
-              </a:ext>
-            </a:extLst>
-          </p:cNvPr>
-          <p:cNvPicPr>
-            <a:picLocks noChangeAspect="1"/>
-          </p:cNvPicPr>
-          <p:nvPr/>
-        </p:nvPicPr>
-        <p:blipFill>
-          <a:blip r:embed="rId2">
-            <a:extLst>
-              <a:ext uri="{96DAC541-7B7A-43D3-8B79-37D633B846F1}">
-                <asvg:svgBlip xmlns:asvg="http://schemas.microsoft.com/office/drawing/2016/SVG/main" r:embed="rId3"/>
-              </a:ext>
-            </a:extLst>
-          </a:blip>
-          <a:stretch>
-            <a:fillRect/>
-          </a:stretch>
-        </p:blipFill>
-        <p:spPr>
-          <a:xfrm>
-            <a:off x="1775520" y="4036064"/>
-            <a:ext cx="914400" cy="914400"/>
-          </a:xfrm>
-          <a:prstGeom prst="rect">
-            <a:avLst/>
-          </a:prstGeom>
-        </p:spPr>
-      </p:pic>
-      <p:sp>
-        <p:nvSpPr>
-          <p:cNvPr id="8" name="テキスト ボックス 7">
-            <a:extLst>
-              <a:ext uri="{FF2B5EF4-FFF2-40B4-BE49-F238E27FC236}">
-                <a16:creationId xmlns:a16="http://schemas.microsoft.com/office/drawing/2014/main" id="{29171562-47D6-0341-065F-C69495B606DD}"/>
+          <p:cNvPr id="7" name="テキスト ボックス 6">
+            <a:extLst>
+              <a:ext uri="{FF2B5EF4-FFF2-40B4-BE49-F238E27FC236}">
+                <a16:creationId xmlns:a16="http://schemas.microsoft.com/office/drawing/2014/main" id="{E1855F9F-70F4-0C62-F4CD-F5F582F60779}"/>
               </a:ext>
             </a:extLst>
           </p:cNvPr>
@@ -6863,8 +7173,8 @@
         </p:nvSpPr>
         <p:spPr>
           <a:xfrm>
-            <a:off x="1781487" y="4931876"/>
-            <a:ext cx="891591" cy="307777"/>
+            <a:off x="758699" y="1149531"/>
+            <a:ext cx="10702834" cy="4524315"/>
           </a:xfrm>
           <a:prstGeom prst="rect">
             <a:avLst/>
@@ -6872,764 +7182,104 @@
           <a:noFill/>
         </p:spPr>
         <p:txBody>
-          <a:bodyPr wrap="none" rtlCol="0">
+          <a:bodyPr wrap="square" rtlCol="0">
             <a:spAutoFit/>
           </a:bodyPr>
           <a:lstStyle/>
           <a:p>
-            <a:pPr algn="ctr"/>
-            <a:r>
-              <a:rPr kumimoji="1" lang="ja-JP" altLang="en-US" sz="1400" dirty="0"/>
-              <a:t>ユーザー</a:t>
-            </a:r>
-            <a:r>
-              <a:rPr kumimoji="1" lang="en-US" altLang="ja-JP" sz="1400" dirty="0"/>
-              <a:t>B</a:t>
-            </a:r>
-            <a:endParaRPr kumimoji="1" lang="ja-JP" altLang="en-US" sz="1400" dirty="0"/>
-          </a:p>
-        </p:txBody>
-      </p:sp>
-      <p:pic>
-        <p:nvPicPr>
-          <p:cNvPr id="9" name="グラフィックス 8" descr="ユーザー 単色塗りつぶし">
-            <a:extLst>
-              <a:ext uri="{FF2B5EF4-FFF2-40B4-BE49-F238E27FC236}">
-                <a16:creationId xmlns:a16="http://schemas.microsoft.com/office/drawing/2014/main" id="{EA82221B-4FDE-50E9-E82C-92790492305F}"/>
-              </a:ext>
-            </a:extLst>
-          </p:cNvPr>
-          <p:cNvPicPr>
-            <a:picLocks noChangeAspect="1"/>
-          </p:cNvPicPr>
-          <p:nvPr/>
-        </p:nvPicPr>
-        <p:blipFill>
-          <a:blip r:embed="rId2">
-            <a:extLst>
-              <a:ext uri="{96DAC541-7B7A-43D3-8B79-37D633B846F1}">
-                <asvg:svgBlip xmlns:asvg="http://schemas.microsoft.com/office/drawing/2016/SVG/main" r:embed="rId3"/>
-              </a:ext>
-            </a:extLst>
-          </a:blip>
-          <a:stretch>
-            <a:fillRect/>
-          </a:stretch>
-        </p:blipFill>
-        <p:spPr>
-          <a:xfrm>
-            <a:off x="1775520" y="2353065"/>
-            <a:ext cx="914400" cy="914400"/>
-          </a:xfrm>
-          <a:prstGeom prst="rect">
-            <a:avLst/>
-          </a:prstGeom>
-        </p:spPr>
-      </p:pic>
-      <p:sp>
-        <p:nvSpPr>
-          <p:cNvPr id="10" name="テキスト ボックス 9">
-            <a:extLst>
-              <a:ext uri="{FF2B5EF4-FFF2-40B4-BE49-F238E27FC236}">
-                <a16:creationId xmlns:a16="http://schemas.microsoft.com/office/drawing/2014/main" id="{C2EB1330-17CD-F8EE-D377-3739F19C2569}"/>
-              </a:ext>
-            </a:extLst>
-          </p:cNvPr>
-          <p:cNvSpPr txBox="1"/>
-          <p:nvPr/>
-        </p:nvSpPr>
-        <p:spPr>
-          <a:xfrm>
-            <a:off x="1781487" y="3248877"/>
-            <a:ext cx="893193" cy="307777"/>
-          </a:xfrm>
-          <a:prstGeom prst="rect">
-            <a:avLst/>
-          </a:prstGeom>
-          <a:noFill/>
-        </p:spPr>
-        <p:txBody>
-          <a:bodyPr wrap="none" rtlCol="0">
-            <a:spAutoFit/>
-          </a:bodyPr>
-          <a:lstStyle/>
-          <a:p>
-            <a:pPr algn="ctr"/>
-            <a:r>
-              <a:rPr kumimoji="1" lang="ja-JP" altLang="en-US" sz="1400" dirty="0"/>
-              <a:t>ユーザー</a:t>
-            </a:r>
-            <a:r>
-              <a:rPr kumimoji="1" lang="en-US" altLang="ja-JP" sz="1400" dirty="0"/>
-              <a:t>A</a:t>
-            </a:r>
-            <a:endParaRPr kumimoji="1" lang="ja-JP" altLang="en-US" sz="1400" dirty="0"/>
-          </a:p>
-        </p:txBody>
-      </p:sp>
-      <p:sp>
-        <p:nvSpPr>
-          <p:cNvPr id="11" name="四角形: 角を丸くする 10">
-            <a:extLst>
-              <a:ext uri="{FF2B5EF4-FFF2-40B4-BE49-F238E27FC236}">
-                <a16:creationId xmlns:a16="http://schemas.microsoft.com/office/drawing/2014/main" id="{4BC5B6A2-ADE1-BC5A-2066-52B793A2FB64}"/>
-              </a:ext>
-            </a:extLst>
-          </p:cNvPr>
-          <p:cNvSpPr/>
-          <p:nvPr/>
-        </p:nvSpPr>
-        <p:spPr>
-          <a:xfrm>
-            <a:off x="6276020" y="1665471"/>
-            <a:ext cx="1800200" cy="687594"/>
-          </a:xfrm>
-          <a:prstGeom prst="roundRect">
-            <a:avLst/>
-          </a:prstGeom>
-          <a:solidFill>
-            <a:schemeClr val="accent5">
-              <a:alpha val="50000"/>
-            </a:schemeClr>
-          </a:solidFill>
-          <a:ln>
-            <a:noFill/>
-          </a:ln>
-        </p:spPr>
-        <p:style>
-          <a:lnRef idx="0">
-            <a:scrgbClr r="0" g="0" b="0"/>
-          </a:lnRef>
-          <a:fillRef idx="0">
-            <a:scrgbClr r="0" g="0" b="0"/>
-          </a:fillRef>
-          <a:effectRef idx="0">
-            <a:scrgbClr r="0" g="0" b="0"/>
-          </a:effectRef>
-          <a:fontRef idx="minor">
-            <a:schemeClr val="lt1"/>
-          </a:fontRef>
-        </p:style>
-        <p:txBody>
-          <a:bodyPr rtlCol="0" anchor="ctr"/>
-          <a:lstStyle/>
-          <a:p>
-            <a:pPr algn="ctr"/>
-            <a:r>
-              <a:rPr kumimoji="1" lang="ja-JP" altLang="en-US" sz="1600" dirty="0"/>
-              <a:t>タスク集計システム</a:t>
-            </a:r>
-          </a:p>
-        </p:txBody>
-      </p:sp>
-      <p:cxnSp>
-        <p:nvCxnSpPr>
-          <p:cNvPr id="13" name="直線コネクタ 12">
-            <a:extLst>
-              <a:ext uri="{FF2B5EF4-FFF2-40B4-BE49-F238E27FC236}">
-                <a16:creationId xmlns:a16="http://schemas.microsoft.com/office/drawing/2014/main" id="{39FD0223-0989-27CA-9E43-E2D1E7B58099}"/>
-              </a:ext>
-            </a:extLst>
-          </p:cNvPr>
-          <p:cNvCxnSpPr>
-            <a:stCxn id="5" idx="0"/>
-            <a:endCxn id="11" idx="2"/>
-          </p:cNvCxnSpPr>
-          <p:nvPr/>
-        </p:nvCxnSpPr>
-        <p:spPr>
-          <a:xfrm flipV="1">
-            <a:off x="6096000" y="2353065"/>
-            <a:ext cx="1080120" cy="625885"/>
-          </a:xfrm>
-          <a:prstGeom prst="line">
-            <a:avLst/>
-          </a:prstGeom>
-        </p:spPr>
-        <p:style>
-          <a:lnRef idx="1">
-            <a:schemeClr val="dk1"/>
-          </a:lnRef>
-          <a:fillRef idx="0">
-            <a:schemeClr val="dk1"/>
-          </a:fillRef>
-          <a:effectRef idx="0">
-            <a:schemeClr val="dk1"/>
-          </a:effectRef>
-          <a:fontRef idx="minor">
-            <a:schemeClr val="tx1"/>
-          </a:fontRef>
-        </p:style>
-      </p:cxnSp>
-      <p:sp>
-        <p:nvSpPr>
-          <p:cNvPr id="15" name="テキスト ボックス 14">
-            <a:extLst>
-              <a:ext uri="{FF2B5EF4-FFF2-40B4-BE49-F238E27FC236}">
-                <a16:creationId xmlns:a16="http://schemas.microsoft.com/office/drawing/2014/main" id="{08E9CD52-14E2-34F6-E387-9D97E8420C52}"/>
-              </a:ext>
-            </a:extLst>
-          </p:cNvPr>
-          <p:cNvSpPr txBox="1"/>
-          <p:nvPr/>
-        </p:nvSpPr>
-        <p:spPr>
-          <a:xfrm>
-            <a:off x="6587956" y="1359240"/>
-            <a:ext cx="1236236" cy="307777"/>
-          </a:xfrm>
-          <a:prstGeom prst="rect">
-            <a:avLst/>
-          </a:prstGeom>
-          <a:noFill/>
-        </p:spPr>
-        <p:txBody>
-          <a:bodyPr wrap="none" rtlCol="0">
-            <a:spAutoFit/>
-          </a:bodyPr>
-          <a:lstStyle/>
-          <a:p>
-            <a:r>
-              <a:rPr kumimoji="1" lang="ja-JP" altLang="en-US" sz="1400" b="1" dirty="0">
-                <a:solidFill>
-                  <a:srgbClr val="FF0000"/>
-                </a:solidFill>
-              </a:rPr>
-              <a:t>今回は対象外</a:t>
-            </a:r>
-          </a:p>
-        </p:txBody>
-      </p:sp>
-      <p:cxnSp>
-        <p:nvCxnSpPr>
-          <p:cNvPr id="17" name="コネクタ: 曲線 16">
-            <a:extLst>
-              <a:ext uri="{FF2B5EF4-FFF2-40B4-BE49-F238E27FC236}">
-                <a16:creationId xmlns:a16="http://schemas.microsoft.com/office/drawing/2014/main" id="{0C719102-821D-9972-5C7B-F499F09FB944}"/>
-              </a:ext>
-            </a:extLst>
-          </p:cNvPr>
-          <p:cNvCxnSpPr>
-            <a:endCxn id="5" idx="1"/>
-          </p:cNvCxnSpPr>
-          <p:nvPr/>
-        </p:nvCxnSpPr>
-        <p:spPr>
-          <a:xfrm>
-            <a:off x="2689920" y="2810265"/>
-            <a:ext cx="2325960" cy="618735"/>
-          </a:xfrm>
-          <a:prstGeom prst="curvedConnector3">
-            <a:avLst/>
-          </a:prstGeom>
-          <a:ln>
-            <a:headEnd type="none" w="med" len="med"/>
-            <a:tailEnd type="arrow" w="med" len="med"/>
-          </a:ln>
-        </p:spPr>
-        <p:style>
-          <a:lnRef idx="1">
-            <a:schemeClr val="dk1"/>
-          </a:lnRef>
-          <a:fillRef idx="0">
-            <a:schemeClr val="dk1"/>
-          </a:fillRef>
-          <a:effectRef idx="0">
-            <a:schemeClr val="dk1"/>
-          </a:effectRef>
-          <a:fontRef idx="minor">
-            <a:schemeClr val="tx1"/>
-          </a:fontRef>
-        </p:style>
-      </p:cxnSp>
-      <p:cxnSp>
-        <p:nvCxnSpPr>
-          <p:cNvPr id="18" name="コネクタ: 曲線 17">
-            <a:extLst>
-              <a:ext uri="{FF2B5EF4-FFF2-40B4-BE49-F238E27FC236}">
-                <a16:creationId xmlns:a16="http://schemas.microsoft.com/office/drawing/2014/main" id="{2711E37A-EA64-0085-A966-C85725DA0FD6}"/>
-              </a:ext>
-            </a:extLst>
-          </p:cNvPr>
-          <p:cNvCxnSpPr>
-            <a:cxnSpLocks/>
-            <a:endCxn id="5" idx="1"/>
-          </p:cNvCxnSpPr>
-          <p:nvPr/>
-        </p:nvCxnSpPr>
-        <p:spPr>
-          <a:xfrm flipV="1">
-            <a:off x="2689920" y="3429000"/>
-            <a:ext cx="2325960" cy="1064264"/>
-          </a:xfrm>
-          <a:prstGeom prst="curvedConnector3">
-            <a:avLst/>
-          </a:prstGeom>
-          <a:ln>
-            <a:headEnd type="none" w="med" len="med"/>
-            <a:tailEnd type="arrow" w="med" len="med"/>
-          </a:ln>
-        </p:spPr>
-        <p:style>
-          <a:lnRef idx="1">
-            <a:schemeClr val="dk1"/>
-          </a:lnRef>
-          <a:fillRef idx="0">
-            <a:schemeClr val="dk1"/>
-          </a:fillRef>
-          <a:effectRef idx="0">
-            <a:schemeClr val="dk1"/>
-          </a:effectRef>
-          <a:fontRef idx="minor">
-            <a:schemeClr val="tx1"/>
-          </a:fontRef>
-        </p:style>
-      </p:cxnSp>
-      <p:pic>
-        <p:nvPicPr>
-          <p:cNvPr id="21" name="グラフィックス 20" descr="ユーザー 単色塗りつぶし">
-            <a:extLst>
-              <a:ext uri="{FF2B5EF4-FFF2-40B4-BE49-F238E27FC236}">
-                <a16:creationId xmlns:a16="http://schemas.microsoft.com/office/drawing/2014/main" id="{BD6DFE98-F021-73CF-E14D-DB89723FEA87}"/>
-              </a:ext>
-            </a:extLst>
-          </p:cNvPr>
-          <p:cNvPicPr>
-            <a:picLocks noChangeAspect="1"/>
-          </p:cNvPicPr>
-          <p:nvPr/>
-        </p:nvPicPr>
-        <p:blipFill>
-          <a:blip r:embed="rId2">
-            <a:extLst>
-              <a:ext uri="{96DAC541-7B7A-43D3-8B79-37D633B846F1}">
-                <asvg:svgBlip xmlns:asvg="http://schemas.microsoft.com/office/drawing/2016/SVG/main" r:embed="rId3"/>
-              </a:ext>
-            </a:extLst>
-          </a:blip>
-          <a:stretch>
-            <a:fillRect/>
-          </a:stretch>
-        </p:blipFill>
-        <p:spPr>
-          <a:xfrm>
-            <a:off x="8925776" y="4036064"/>
-            <a:ext cx="914400" cy="914400"/>
-          </a:xfrm>
-          <a:prstGeom prst="rect">
-            <a:avLst/>
-          </a:prstGeom>
-        </p:spPr>
-      </p:pic>
-      <p:sp>
-        <p:nvSpPr>
-          <p:cNvPr id="22" name="テキスト ボックス 21">
-            <a:extLst>
-              <a:ext uri="{FF2B5EF4-FFF2-40B4-BE49-F238E27FC236}">
-                <a16:creationId xmlns:a16="http://schemas.microsoft.com/office/drawing/2014/main" id="{FD2D3DF2-9933-B0D7-347B-3F89A8E270C6}"/>
-              </a:ext>
-            </a:extLst>
-          </p:cNvPr>
-          <p:cNvSpPr txBox="1"/>
-          <p:nvPr/>
-        </p:nvSpPr>
-        <p:spPr>
-          <a:xfrm>
-            <a:off x="8493728" y="4931876"/>
-            <a:ext cx="1829347" cy="307777"/>
-          </a:xfrm>
-          <a:prstGeom prst="rect">
-            <a:avLst/>
-          </a:prstGeom>
-          <a:noFill/>
-        </p:spPr>
-        <p:txBody>
-          <a:bodyPr wrap="none" rtlCol="0">
-            <a:spAutoFit/>
-          </a:bodyPr>
-          <a:lstStyle/>
-          <a:p>
-            <a:pPr algn="ctr"/>
-            <a:r>
-              <a:rPr kumimoji="1" lang="ja-JP" altLang="en-US" sz="1400" dirty="0"/>
-              <a:t>システム管理者（私）</a:t>
-            </a:r>
-          </a:p>
-        </p:txBody>
-      </p:sp>
-      <p:cxnSp>
-        <p:nvCxnSpPr>
-          <p:cNvPr id="23" name="コネクタ: 曲線 22">
-            <a:extLst>
-              <a:ext uri="{FF2B5EF4-FFF2-40B4-BE49-F238E27FC236}">
-                <a16:creationId xmlns:a16="http://schemas.microsoft.com/office/drawing/2014/main" id="{D6C52C14-9097-7E02-296A-2821184BCF5D}"/>
-              </a:ext>
-            </a:extLst>
-          </p:cNvPr>
-          <p:cNvCxnSpPr>
-            <a:cxnSpLocks/>
-            <a:endCxn id="5" idx="3"/>
-          </p:cNvCxnSpPr>
-          <p:nvPr/>
-        </p:nvCxnSpPr>
-        <p:spPr>
-          <a:xfrm rot="10800000">
-            <a:off x="7176121" y="3429000"/>
-            <a:ext cx="1693791" cy="1064264"/>
-          </a:xfrm>
-          <a:prstGeom prst="curvedConnector3">
-            <a:avLst>
-              <a:gd name="adj1" fmla="val 50000"/>
-            </a:avLst>
-          </a:prstGeom>
-          <a:ln>
-            <a:headEnd type="none" w="med" len="med"/>
-            <a:tailEnd type="arrow" w="med" len="med"/>
-          </a:ln>
-        </p:spPr>
-        <p:style>
-          <a:lnRef idx="1">
-            <a:schemeClr val="dk1"/>
-          </a:lnRef>
-          <a:fillRef idx="0">
-            <a:schemeClr val="dk1"/>
-          </a:fillRef>
-          <a:effectRef idx="0">
-            <a:schemeClr val="dk1"/>
-          </a:effectRef>
-          <a:fontRef idx="minor">
-            <a:schemeClr val="tx1"/>
-          </a:fontRef>
-        </p:style>
-      </p:cxnSp>
-      <p:sp>
-        <p:nvSpPr>
-          <p:cNvPr id="26" name="吹き出し: 四角形 25">
-            <a:extLst>
-              <a:ext uri="{FF2B5EF4-FFF2-40B4-BE49-F238E27FC236}">
-                <a16:creationId xmlns:a16="http://schemas.microsoft.com/office/drawing/2014/main" id="{2616EE2E-B584-0F0B-C299-18D40E0EBA45}"/>
-              </a:ext>
-            </a:extLst>
-          </p:cNvPr>
-          <p:cNvSpPr/>
-          <p:nvPr/>
-        </p:nvSpPr>
-        <p:spPr>
-          <a:xfrm>
-            <a:off x="8940406" y="3200730"/>
-            <a:ext cx="1872208" cy="711847"/>
-          </a:xfrm>
-          <a:prstGeom prst="wedgeRectCallout">
-            <a:avLst>
-              <a:gd name="adj1" fmla="val -26411"/>
-              <a:gd name="adj2" fmla="val 61474"/>
-            </a:avLst>
-          </a:prstGeom>
-          <a:noFill/>
-          <a:ln w="9525" cap="flat" cmpd="sng" algn="ctr">
-            <a:solidFill>
-              <a:schemeClr val="dk1"/>
-            </a:solidFill>
-            <a:prstDash val="solid"/>
-            <a:round/>
-            <a:headEnd type="none" w="med" len="med"/>
-            <a:tailEnd type="none" w="med" len="med"/>
-          </a:ln>
-        </p:spPr>
-        <p:style>
-          <a:lnRef idx="0">
-            <a:scrgbClr r="0" g="0" b="0"/>
-          </a:lnRef>
-          <a:fillRef idx="0">
-            <a:scrgbClr r="0" g="0" b="0"/>
-          </a:fillRef>
-          <a:effectRef idx="0">
-            <a:scrgbClr r="0" g="0" b="0"/>
-          </a:effectRef>
-          <a:fontRef idx="minor">
-            <a:schemeClr val="dk1"/>
-          </a:fontRef>
-        </p:style>
-        <p:txBody>
-          <a:bodyPr rtlCol="0" anchor="ctr"/>
-          <a:lstStyle/>
-          <a:p>
-            <a:r>
-              <a:rPr kumimoji="1" lang="ja-JP" altLang="en-US" sz="1200" dirty="0"/>
-              <a:t>・保守対応</a:t>
-            </a:r>
-            <a:endParaRPr kumimoji="1" lang="en-US" altLang="ja-JP" sz="1200" dirty="0"/>
-          </a:p>
-          <a:p>
-            <a:r>
-              <a:rPr kumimoji="1" lang="ja-JP" altLang="en-US" sz="1200" dirty="0"/>
-              <a:t>・追加機能開発</a:t>
-            </a:r>
-          </a:p>
-        </p:txBody>
-      </p:sp>
-      <p:sp>
-        <p:nvSpPr>
-          <p:cNvPr id="27" name="吹き出し: 四角形 26">
-            <a:extLst>
-              <a:ext uri="{FF2B5EF4-FFF2-40B4-BE49-F238E27FC236}">
-                <a16:creationId xmlns:a16="http://schemas.microsoft.com/office/drawing/2014/main" id="{F8A89B1A-3191-1F3A-71DF-64FD36B41B5E}"/>
-              </a:ext>
-            </a:extLst>
-          </p:cNvPr>
-          <p:cNvSpPr/>
-          <p:nvPr/>
-        </p:nvSpPr>
-        <p:spPr>
-          <a:xfrm>
-            <a:off x="1291178" y="1251730"/>
-            <a:ext cx="1872208" cy="881126"/>
-          </a:xfrm>
-          <a:prstGeom prst="wedgeRectCallout">
-            <a:avLst>
-              <a:gd name="adj1" fmla="val -6184"/>
-              <a:gd name="adj2" fmla="val 73005"/>
-            </a:avLst>
-          </a:prstGeom>
-          <a:noFill/>
-          <a:ln w="9525" cap="flat" cmpd="sng" algn="ctr">
-            <a:solidFill>
-              <a:schemeClr val="dk1"/>
-            </a:solidFill>
-            <a:prstDash val="solid"/>
-            <a:round/>
-            <a:headEnd type="none" w="med" len="med"/>
-            <a:tailEnd type="none" w="med" len="med"/>
-          </a:ln>
-        </p:spPr>
-        <p:style>
-          <a:lnRef idx="0">
-            <a:scrgbClr r="0" g="0" b="0"/>
-          </a:lnRef>
-          <a:fillRef idx="0">
-            <a:scrgbClr r="0" g="0" b="0"/>
-          </a:fillRef>
-          <a:effectRef idx="0">
-            <a:scrgbClr r="0" g="0" b="0"/>
-          </a:effectRef>
-          <a:fontRef idx="minor">
-            <a:schemeClr val="dk1"/>
-          </a:fontRef>
-        </p:style>
-        <p:txBody>
-          <a:bodyPr rtlCol="0" anchor="ctr"/>
-          <a:lstStyle/>
-          <a:p>
-            <a:r>
-              <a:rPr kumimoji="1" lang="ja-JP" altLang="en-US" sz="1200" dirty="0"/>
-              <a:t>・アカウント作成</a:t>
-            </a:r>
-            <a:endParaRPr kumimoji="1" lang="en-US" altLang="ja-JP" sz="1200" dirty="0"/>
-          </a:p>
-          <a:p>
-            <a:r>
-              <a:rPr kumimoji="1" lang="ja-JP" altLang="en-US" sz="1200" dirty="0"/>
-              <a:t>・タスク登録</a:t>
-            </a:r>
-            <a:endParaRPr kumimoji="1" lang="en-US" altLang="ja-JP" sz="1200" dirty="0"/>
-          </a:p>
-          <a:p>
-            <a:r>
-              <a:rPr kumimoji="1" lang="ja-JP" altLang="en-US" sz="1200" dirty="0"/>
-              <a:t>・タスク更新（編集）</a:t>
-            </a:r>
-            <a:endParaRPr kumimoji="1" lang="en-US" altLang="ja-JP" sz="1200" dirty="0"/>
-          </a:p>
-          <a:p>
-            <a:r>
-              <a:rPr kumimoji="1" lang="ja-JP" altLang="en-US" sz="1200" dirty="0"/>
-              <a:t>・タスク削除（消込）</a:t>
-            </a:r>
-          </a:p>
-        </p:txBody>
-      </p:sp>
-      <p:sp>
-        <p:nvSpPr>
-          <p:cNvPr id="28" name="吹き出し: 四角形 27">
-            <a:extLst>
-              <a:ext uri="{FF2B5EF4-FFF2-40B4-BE49-F238E27FC236}">
-                <a16:creationId xmlns:a16="http://schemas.microsoft.com/office/drawing/2014/main" id="{0752F71B-607F-0A05-B9B6-8B7B71E1FA6A}"/>
-              </a:ext>
-            </a:extLst>
-          </p:cNvPr>
-          <p:cNvSpPr/>
-          <p:nvPr/>
-        </p:nvSpPr>
-        <p:spPr>
-          <a:xfrm>
-            <a:off x="1291178" y="5461198"/>
-            <a:ext cx="1872208" cy="515730"/>
-          </a:xfrm>
-          <a:prstGeom prst="wedgeRectCallout">
-            <a:avLst>
-              <a:gd name="adj1" fmla="val -9637"/>
-              <a:gd name="adj2" fmla="val -86388"/>
-            </a:avLst>
-          </a:prstGeom>
-          <a:noFill/>
-          <a:ln w="9525" cap="flat" cmpd="sng" algn="ctr">
-            <a:solidFill>
-              <a:schemeClr val="dk1"/>
-            </a:solidFill>
-            <a:prstDash val="solid"/>
-            <a:round/>
-            <a:headEnd type="none" w="med" len="med"/>
-            <a:tailEnd type="none" w="med" len="med"/>
-          </a:ln>
-        </p:spPr>
-        <p:style>
-          <a:lnRef idx="0">
-            <a:scrgbClr r="0" g="0" b="0"/>
-          </a:lnRef>
-          <a:fillRef idx="0">
-            <a:scrgbClr r="0" g="0" b="0"/>
-          </a:fillRef>
-          <a:effectRef idx="0">
-            <a:scrgbClr r="0" g="0" b="0"/>
-          </a:effectRef>
-          <a:fontRef idx="minor">
-            <a:schemeClr val="dk1"/>
-          </a:fontRef>
-        </p:style>
-        <p:txBody>
-          <a:bodyPr rtlCol="0" anchor="ctr"/>
-          <a:lstStyle/>
-          <a:p>
-            <a:r>
-              <a:rPr kumimoji="1" lang="ja-JP" altLang="en-US" sz="1200" dirty="0"/>
-              <a:t>（ユーザー</a:t>
-            </a:r>
-            <a:r>
-              <a:rPr kumimoji="1" lang="en-US" altLang="ja-JP" sz="1200" dirty="0"/>
-              <a:t>A</a:t>
-            </a:r>
-            <a:r>
-              <a:rPr kumimoji="1" lang="ja-JP" altLang="en-US" sz="1200" dirty="0"/>
-              <a:t>同様の操作）</a:t>
-            </a:r>
-          </a:p>
-        </p:txBody>
-      </p:sp>
-      <p:sp>
-        <p:nvSpPr>
-          <p:cNvPr id="29" name="正方形/長方形 28">
-            <a:extLst>
-              <a:ext uri="{FF2B5EF4-FFF2-40B4-BE49-F238E27FC236}">
-                <a16:creationId xmlns:a16="http://schemas.microsoft.com/office/drawing/2014/main" id="{C3543F03-E6F6-E2BE-FA56-47843E49FDC1}"/>
-              </a:ext>
-            </a:extLst>
-          </p:cNvPr>
-          <p:cNvSpPr/>
-          <p:nvPr/>
-        </p:nvSpPr>
-        <p:spPr>
-          <a:xfrm>
-            <a:off x="8493728" y="242078"/>
-            <a:ext cx="3472528" cy="1224135"/>
-          </a:xfrm>
-          <a:prstGeom prst="rect">
-            <a:avLst/>
-          </a:prstGeom>
-          <a:solidFill>
-            <a:schemeClr val="bg1">
-              <a:lumMod val="95000"/>
-            </a:schemeClr>
-          </a:solidFill>
-          <a:ln>
-            <a:solidFill>
-              <a:srgbClr val="7030A0"/>
-            </a:solidFill>
-          </a:ln>
-        </p:spPr>
-        <p:style>
-          <a:lnRef idx="2">
-            <a:schemeClr val="accent2">
-              <a:shade val="15000"/>
-            </a:schemeClr>
-          </a:lnRef>
-          <a:fillRef idx="1">
-            <a:schemeClr val="accent2"/>
-          </a:fillRef>
-          <a:effectRef idx="0">
-            <a:schemeClr val="accent2"/>
-          </a:effectRef>
-          <a:fontRef idx="minor">
-            <a:schemeClr val="lt1"/>
-          </a:fontRef>
-        </p:style>
-        <p:txBody>
-          <a:bodyPr rtlCol="0" anchor="ctr"/>
-          <a:lstStyle/>
-          <a:p>
-            <a:r>
-              <a:rPr kumimoji="1" lang="ja-JP" altLang="en-US" sz="1200" b="1" dirty="0">
-                <a:solidFill>
-                  <a:srgbClr val="7030A0"/>
-                </a:solidFill>
-              </a:rPr>
-              <a:t>メモ</a:t>
-            </a:r>
-            <a:endParaRPr kumimoji="1" lang="en-US" altLang="ja-JP" sz="1200" b="1" dirty="0">
-              <a:solidFill>
-                <a:srgbClr val="7030A0"/>
-              </a:solidFill>
-            </a:endParaRPr>
-          </a:p>
-          <a:p>
-            <a:pPr marL="171450" indent="-171450">
-              <a:buFont typeface="Arial" panose="020B0604020202020204" pitchFamily="34" charset="0"/>
-              <a:buChar char="•"/>
-            </a:pPr>
-            <a:r>
-              <a:rPr kumimoji="1" lang="ja-JP" altLang="en-US" sz="1200" dirty="0">
-                <a:solidFill>
-                  <a:srgbClr val="7030A0"/>
-                </a:solidFill>
-              </a:rPr>
-              <a:t>連携するシステムも記載する。</a:t>
-            </a:r>
-            <a:endParaRPr kumimoji="1" lang="en-US" altLang="ja-JP" sz="1200" dirty="0">
-              <a:solidFill>
-                <a:srgbClr val="7030A0"/>
-              </a:solidFill>
-            </a:endParaRPr>
-          </a:p>
-          <a:p>
-            <a:pPr marL="171450" indent="-171450">
-              <a:buFont typeface="Arial" panose="020B0604020202020204" pitchFamily="34" charset="0"/>
-              <a:buChar char="•"/>
-            </a:pPr>
-            <a:r>
-              <a:rPr kumimoji="1" lang="ja-JP" altLang="en-US" sz="1200" dirty="0">
-                <a:solidFill>
-                  <a:srgbClr val="7030A0"/>
-                </a:solidFill>
-              </a:rPr>
-              <a:t>システム管理者も記載する。</a:t>
-            </a:r>
-            <a:endParaRPr kumimoji="1" lang="en-US" altLang="ja-JP" sz="1200" dirty="0">
-              <a:solidFill>
-                <a:srgbClr val="7030A0"/>
-              </a:solidFill>
-            </a:endParaRPr>
-          </a:p>
-          <a:p>
-            <a:pPr marL="171450" indent="-171450">
-              <a:buFont typeface="Arial" panose="020B0604020202020204" pitchFamily="34" charset="0"/>
-              <a:buChar char="•"/>
-            </a:pPr>
-            <a:r>
-              <a:rPr kumimoji="1" lang="ja-JP" altLang="en-US" sz="1200" dirty="0">
-                <a:solidFill>
-                  <a:srgbClr val="7030A0"/>
-                </a:solidFill>
-              </a:rPr>
-              <a:t>初回でユースケースを抽出できなくても、行動シナリオ（業務フロー）を検討しながら追記していく。</a:t>
+            <a:r>
+              <a:rPr kumimoji="1" lang="ja-JP" altLang="en-US" b="1" dirty="0"/>
+              <a:t>背景</a:t>
+            </a:r>
+            <a:endParaRPr kumimoji="1" lang="en-US" altLang="ja-JP" b="1" dirty="0"/>
+          </a:p>
+          <a:p>
+            <a:endParaRPr kumimoji="1" lang="en-US" altLang="ja-JP" dirty="0"/>
+          </a:p>
+          <a:p>
+            <a:pPr lvl="1"/>
+            <a:r>
+              <a:rPr kumimoji="1" lang="ja-JP" altLang="en-US" dirty="0"/>
+              <a:t>タスク管理が</a:t>
+            </a:r>
+            <a:r>
+              <a:rPr kumimoji="1" lang="en-US" altLang="ja-JP" dirty="0"/>
+              <a:t>PC</a:t>
+            </a:r>
+            <a:r>
+              <a:rPr kumimoji="1" lang="ja-JP" altLang="en-US" dirty="0"/>
+              <a:t>内のファイルで管理されており、</a:t>
+            </a:r>
+            <a:r>
+              <a:rPr kumimoji="1" lang="en-US" altLang="ja-JP" dirty="0"/>
+              <a:t>PC</a:t>
+            </a:r>
+            <a:r>
+              <a:rPr kumimoji="1" lang="ja-JP" altLang="en-US" dirty="0"/>
+              <a:t>を持っていない外出先でタスクを確認することができない問題が発生している。</a:t>
+            </a:r>
+            <a:endParaRPr kumimoji="1" lang="en-US" altLang="ja-JP" dirty="0"/>
+          </a:p>
+          <a:p>
+            <a:endParaRPr kumimoji="1" lang="en-US" altLang="ja-JP" dirty="0"/>
+          </a:p>
+          <a:p>
+            <a:r>
+              <a:rPr kumimoji="1" lang="ja-JP" altLang="en-US" b="1" dirty="0"/>
+              <a:t>目的</a:t>
+            </a:r>
+            <a:endParaRPr kumimoji="1" lang="en-US" altLang="ja-JP" b="1" dirty="0"/>
+          </a:p>
+          <a:p>
+            <a:endParaRPr kumimoji="1" lang="en-US" altLang="ja-JP" dirty="0"/>
+          </a:p>
+          <a:p>
+            <a:pPr lvl="1"/>
+            <a:r>
+              <a:rPr kumimoji="1" lang="ja-JP" altLang="en-US" dirty="0"/>
+              <a:t>スマホでもタスクを確認・消込できる仕組みを構築し、外出先でもタスクを確認・消込できるようにする。</a:t>
+            </a:r>
+            <a:endParaRPr kumimoji="1" lang="en-US" altLang="ja-JP" dirty="0"/>
+          </a:p>
+          <a:p>
+            <a:endParaRPr kumimoji="1" lang="en-US" altLang="ja-JP" dirty="0"/>
+          </a:p>
+          <a:p>
+            <a:r>
+              <a:rPr kumimoji="1" lang="ja-JP" altLang="en-US" b="1" dirty="0"/>
+              <a:t>体制</a:t>
+            </a:r>
+            <a:endParaRPr kumimoji="1" lang="en-US" altLang="ja-JP" b="1" dirty="0"/>
+          </a:p>
+          <a:p>
+            <a:endParaRPr kumimoji="1" lang="en-US" altLang="ja-JP" dirty="0"/>
+          </a:p>
+          <a:p>
+            <a:pPr lvl="1"/>
+            <a:r>
+              <a:rPr kumimoji="1" lang="ja-JP" altLang="en-US" dirty="0"/>
+              <a:t>設計・開発：私</a:t>
+            </a:r>
+            <a:endParaRPr kumimoji="1" lang="en-US" altLang="ja-JP" dirty="0"/>
+          </a:p>
+          <a:p>
+            <a:endParaRPr kumimoji="1" lang="en-US" altLang="ja-JP" dirty="0"/>
+          </a:p>
+          <a:p>
+            <a:r>
+              <a:rPr kumimoji="1" lang="ja-JP" altLang="en-US" b="1" dirty="0"/>
+              <a:t>期限</a:t>
+            </a:r>
+            <a:endParaRPr kumimoji="1" lang="en-US" altLang="ja-JP" b="1" dirty="0"/>
+          </a:p>
+          <a:p>
+            <a:endParaRPr kumimoji="1" lang="en-US" altLang="ja-JP" dirty="0"/>
+          </a:p>
+          <a:p>
+            <a:pPr lvl="1"/>
+            <a:r>
+              <a:rPr kumimoji="1" lang="ja-JP" altLang="en-US" dirty="0"/>
+              <a:t>無期限</a:t>
             </a:r>
           </a:p>
         </p:txBody>
@@ -7637,7 +7287,7 @@
     </p:spTree>
     <p:extLst>
       <p:ext uri="{BB962C8B-B14F-4D97-AF65-F5344CB8AC3E}">
-        <p14:creationId xmlns:p14="http://schemas.microsoft.com/office/powerpoint/2010/main" val="2770112012"/>
+        <p14:creationId xmlns:p14="http://schemas.microsoft.com/office/powerpoint/2010/main" val="2641937492"/>
       </p:ext>
     </p:extLst>
   </p:cSld>
@@ -7666,10 +7316,68 @@
       </p:grpSpPr>
       <p:sp>
         <p:nvSpPr>
-          <p:cNvPr id="67" name="雲 66">
-            <a:extLst>
-              <a:ext uri="{FF2B5EF4-FFF2-40B4-BE49-F238E27FC236}">
-                <a16:creationId xmlns:a16="http://schemas.microsoft.com/office/drawing/2014/main" id="{9EBB579C-DC48-AF43-13AD-47BD66D2F829}"/>
+          <p:cNvPr id="2" name="タイトル 1">
+            <a:extLst>
+              <a:ext uri="{FF2B5EF4-FFF2-40B4-BE49-F238E27FC236}">
+                <a16:creationId xmlns:a16="http://schemas.microsoft.com/office/drawing/2014/main" id="{68A2F1CC-612A-BD05-851C-6DDC541023A0}"/>
+              </a:ext>
+            </a:extLst>
+          </p:cNvPr>
+          <p:cNvSpPr>
+            <a:spLocks noGrp="1"/>
+          </p:cNvSpPr>
+          <p:nvPr>
+            <p:ph type="title"/>
+          </p:nvPr>
+        </p:nvSpPr>
+        <p:spPr/>
+        <p:txBody>
+          <a:bodyPr/>
+          <a:lstStyle/>
+          <a:p>
+            <a:r>
+              <a:rPr kumimoji="1" lang="ja-JP" altLang="en-US" dirty="0"/>
+              <a:t>全体像（ユースケース）</a:t>
+            </a:r>
+          </a:p>
+        </p:txBody>
+      </p:sp>
+      <p:sp>
+        <p:nvSpPr>
+          <p:cNvPr id="4" name="スライド番号プレースホルダー 3">
+            <a:extLst>
+              <a:ext uri="{FF2B5EF4-FFF2-40B4-BE49-F238E27FC236}">
+                <a16:creationId xmlns:a16="http://schemas.microsoft.com/office/drawing/2014/main" id="{3696E969-6B62-D33A-59CB-CA17E0A38BAB}"/>
+              </a:ext>
+            </a:extLst>
+          </p:cNvPr>
+          <p:cNvSpPr>
+            <a:spLocks noGrp="1"/>
+          </p:cNvSpPr>
+          <p:nvPr>
+            <p:ph type="sldNum" sz="quarter" idx="12"/>
+          </p:nvPr>
+        </p:nvSpPr>
+        <p:spPr/>
+        <p:txBody>
+          <a:bodyPr/>
+          <a:lstStyle/>
+          <a:p>
+            <a:fld id="{A49DFD55-3C28-40EF-9E31-A92D2E4017FF}" type="slidenum">
+              <a:rPr lang="en-US" altLang="ja-JP" smtClean="0"/>
+              <a:pPr/>
+              <a:t>4</a:t>
+            </a:fld>
+            <a:endParaRPr lang="en-US" altLang="en-US" dirty="0"/>
+          </a:p>
+        </p:txBody>
+      </p:sp>
+      <p:sp>
+        <p:nvSpPr>
+          <p:cNvPr id="5" name="四角形: 角を丸くする 4">
+            <a:extLst>
+              <a:ext uri="{FF2B5EF4-FFF2-40B4-BE49-F238E27FC236}">
+                <a16:creationId xmlns:a16="http://schemas.microsoft.com/office/drawing/2014/main" id="{6B9DCB8B-7833-9BC1-3ACF-EC555D0B2258}"/>
               </a:ext>
             </a:extLst>
           </p:cNvPr>
@@ -7678,10 +7386,211 @@
         </p:nvSpPr>
         <p:spPr>
           <a:xfrm>
-            <a:off x="4007768" y="3091501"/>
-            <a:ext cx="6496381" cy="2395743"/>
-          </a:xfrm>
-          <a:prstGeom prst="cloud">
+            <a:off x="5015880" y="2978950"/>
+            <a:ext cx="2160240" cy="900100"/>
+          </a:xfrm>
+          <a:prstGeom prst="roundRect">
+            <a:avLst/>
+          </a:prstGeom>
+        </p:spPr>
+        <p:style>
+          <a:lnRef idx="1">
+            <a:schemeClr val="accent5"/>
+          </a:lnRef>
+          <a:fillRef idx="3">
+            <a:schemeClr val="accent5"/>
+          </a:fillRef>
+          <a:effectRef idx="2">
+            <a:schemeClr val="accent5"/>
+          </a:effectRef>
+          <a:fontRef idx="minor">
+            <a:schemeClr val="lt1"/>
+          </a:fontRef>
+        </p:style>
+        <p:txBody>
+          <a:bodyPr rtlCol="0" anchor="ctr"/>
+          <a:lstStyle/>
+          <a:p>
+            <a:pPr algn="ctr"/>
+            <a:r>
+              <a:rPr kumimoji="1" lang="ja-JP" altLang="en-US" dirty="0"/>
+              <a:t>タスク管理システム</a:t>
+            </a:r>
+          </a:p>
+        </p:txBody>
+      </p:sp>
+      <p:pic>
+        <p:nvPicPr>
+          <p:cNvPr id="7" name="グラフィックス 6" descr="ユーザー 単色塗りつぶし">
+            <a:extLst>
+              <a:ext uri="{FF2B5EF4-FFF2-40B4-BE49-F238E27FC236}">
+                <a16:creationId xmlns:a16="http://schemas.microsoft.com/office/drawing/2014/main" id="{B7858933-B025-00A9-4221-B5A93E63F693}"/>
+              </a:ext>
+            </a:extLst>
+          </p:cNvPr>
+          <p:cNvPicPr>
+            <a:picLocks noChangeAspect="1"/>
+          </p:cNvPicPr>
+          <p:nvPr/>
+        </p:nvPicPr>
+        <p:blipFill>
+          <a:blip r:embed="rId2">
+            <a:extLst>
+              <a:ext uri="{96DAC541-7B7A-43D3-8B79-37D633B846F1}">
+                <asvg:svgBlip xmlns:asvg="http://schemas.microsoft.com/office/drawing/2016/SVG/main" r:embed="rId3"/>
+              </a:ext>
+            </a:extLst>
+          </a:blip>
+          <a:stretch>
+            <a:fillRect/>
+          </a:stretch>
+        </p:blipFill>
+        <p:spPr>
+          <a:xfrm>
+            <a:off x="1775520" y="4036064"/>
+            <a:ext cx="914400" cy="914400"/>
+          </a:xfrm>
+          <a:prstGeom prst="rect">
+            <a:avLst/>
+          </a:prstGeom>
+        </p:spPr>
+      </p:pic>
+      <p:sp>
+        <p:nvSpPr>
+          <p:cNvPr id="8" name="テキスト ボックス 7">
+            <a:extLst>
+              <a:ext uri="{FF2B5EF4-FFF2-40B4-BE49-F238E27FC236}">
+                <a16:creationId xmlns:a16="http://schemas.microsoft.com/office/drawing/2014/main" id="{29171562-47D6-0341-065F-C69495B606DD}"/>
+              </a:ext>
+            </a:extLst>
+          </p:cNvPr>
+          <p:cNvSpPr txBox="1"/>
+          <p:nvPr/>
+        </p:nvSpPr>
+        <p:spPr>
+          <a:xfrm>
+            <a:off x="1781487" y="4931876"/>
+            <a:ext cx="891591" cy="307777"/>
+          </a:xfrm>
+          <a:prstGeom prst="rect">
+            <a:avLst/>
+          </a:prstGeom>
+          <a:noFill/>
+        </p:spPr>
+        <p:txBody>
+          <a:bodyPr wrap="none" rtlCol="0">
+            <a:spAutoFit/>
+          </a:bodyPr>
+          <a:lstStyle/>
+          <a:p>
+            <a:pPr algn="ctr"/>
+            <a:r>
+              <a:rPr kumimoji="1" lang="ja-JP" altLang="en-US" sz="1400" dirty="0"/>
+              <a:t>ユーザー</a:t>
+            </a:r>
+            <a:r>
+              <a:rPr kumimoji="1" lang="en-US" altLang="ja-JP" sz="1400" dirty="0"/>
+              <a:t>B</a:t>
+            </a:r>
+            <a:endParaRPr kumimoji="1" lang="ja-JP" altLang="en-US" sz="1400" dirty="0"/>
+          </a:p>
+        </p:txBody>
+      </p:sp>
+      <p:pic>
+        <p:nvPicPr>
+          <p:cNvPr id="9" name="グラフィックス 8" descr="ユーザー 単色塗りつぶし">
+            <a:extLst>
+              <a:ext uri="{FF2B5EF4-FFF2-40B4-BE49-F238E27FC236}">
+                <a16:creationId xmlns:a16="http://schemas.microsoft.com/office/drawing/2014/main" id="{EA82221B-4FDE-50E9-E82C-92790492305F}"/>
+              </a:ext>
+            </a:extLst>
+          </p:cNvPr>
+          <p:cNvPicPr>
+            <a:picLocks noChangeAspect="1"/>
+          </p:cNvPicPr>
+          <p:nvPr/>
+        </p:nvPicPr>
+        <p:blipFill>
+          <a:blip r:embed="rId2">
+            <a:extLst>
+              <a:ext uri="{96DAC541-7B7A-43D3-8B79-37D633B846F1}">
+                <asvg:svgBlip xmlns:asvg="http://schemas.microsoft.com/office/drawing/2016/SVG/main" r:embed="rId3"/>
+              </a:ext>
+            </a:extLst>
+          </a:blip>
+          <a:stretch>
+            <a:fillRect/>
+          </a:stretch>
+        </p:blipFill>
+        <p:spPr>
+          <a:xfrm>
+            <a:off x="1775520" y="2353065"/>
+            <a:ext cx="914400" cy="914400"/>
+          </a:xfrm>
+          <a:prstGeom prst="rect">
+            <a:avLst/>
+          </a:prstGeom>
+        </p:spPr>
+      </p:pic>
+      <p:sp>
+        <p:nvSpPr>
+          <p:cNvPr id="10" name="テキスト ボックス 9">
+            <a:extLst>
+              <a:ext uri="{FF2B5EF4-FFF2-40B4-BE49-F238E27FC236}">
+                <a16:creationId xmlns:a16="http://schemas.microsoft.com/office/drawing/2014/main" id="{C2EB1330-17CD-F8EE-D377-3739F19C2569}"/>
+              </a:ext>
+            </a:extLst>
+          </p:cNvPr>
+          <p:cNvSpPr txBox="1"/>
+          <p:nvPr/>
+        </p:nvSpPr>
+        <p:spPr>
+          <a:xfrm>
+            <a:off x="1781487" y="3248877"/>
+            <a:ext cx="893193" cy="307777"/>
+          </a:xfrm>
+          <a:prstGeom prst="rect">
+            <a:avLst/>
+          </a:prstGeom>
+          <a:noFill/>
+        </p:spPr>
+        <p:txBody>
+          <a:bodyPr wrap="none" rtlCol="0">
+            <a:spAutoFit/>
+          </a:bodyPr>
+          <a:lstStyle/>
+          <a:p>
+            <a:pPr algn="ctr"/>
+            <a:r>
+              <a:rPr kumimoji="1" lang="ja-JP" altLang="en-US" sz="1400" dirty="0"/>
+              <a:t>ユーザー</a:t>
+            </a:r>
+            <a:r>
+              <a:rPr kumimoji="1" lang="en-US" altLang="ja-JP" sz="1400" dirty="0"/>
+              <a:t>A</a:t>
+            </a:r>
+            <a:endParaRPr kumimoji="1" lang="ja-JP" altLang="en-US" sz="1400" dirty="0"/>
+          </a:p>
+        </p:txBody>
+      </p:sp>
+      <p:sp>
+        <p:nvSpPr>
+          <p:cNvPr id="11" name="四角形: 角を丸くする 10">
+            <a:extLst>
+              <a:ext uri="{FF2B5EF4-FFF2-40B4-BE49-F238E27FC236}">
+                <a16:creationId xmlns:a16="http://schemas.microsoft.com/office/drawing/2014/main" id="{4BC5B6A2-ADE1-BC5A-2066-52B793A2FB64}"/>
+              </a:ext>
+            </a:extLst>
+          </p:cNvPr>
+          <p:cNvSpPr/>
+          <p:nvPr/>
+        </p:nvSpPr>
+        <p:spPr>
+          <a:xfrm>
+            <a:off x="6276020" y="1665471"/>
+            <a:ext cx="1800200" cy="687594"/>
+          </a:xfrm>
+          <a:prstGeom prst="roundRect">
             <a:avLst/>
           </a:prstGeom>
           <a:solidFill>
@@ -7712,16 +7621,365 @@
           <a:lstStyle/>
           <a:p>
             <a:pPr algn="ctr"/>
-            <a:endParaRPr kumimoji="1" lang="ja-JP" altLang="en-US"/>
+            <a:r>
+              <a:rPr kumimoji="1" lang="ja-JP" altLang="en-US" sz="1600" dirty="0"/>
+              <a:t>タスク集計システム</a:t>
+            </a:r>
+          </a:p>
+        </p:txBody>
+      </p:sp>
+      <p:cxnSp>
+        <p:nvCxnSpPr>
+          <p:cNvPr id="13" name="直線コネクタ 12">
+            <a:extLst>
+              <a:ext uri="{FF2B5EF4-FFF2-40B4-BE49-F238E27FC236}">
+                <a16:creationId xmlns:a16="http://schemas.microsoft.com/office/drawing/2014/main" id="{39FD0223-0989-27CA-9E43-E2D1E7B58099}"/>
+              </a:ext>
+            </a:extLst>
+          </p:cNvPr>
+          <p:cNvCxnSpPr>
+            <a:stCxn id="5" idx="0"/>
+            <a:endCxn id="11" idx="2"/>
+          </p:cNvCxnSpPr>
+          <p:nvPr/>
+        </p:nvCxnSpPr>
+        <p:spPr>
+          <a:xfrm flipV="1">
+            <a:off x="6096000" y="2353065"/>
+            <a:ext cx="1080120" cy="625885"/>
+          </a:xfrm>
+          <a:prstGeom prst="line">
+            <a:avLst/>
+          </a:prstGeom>
+        </p:spPr>
+        <p:style>
+          <a:lnRef idx="1">
+            <a:schemeClr val="dk1"/>
+          </a:lnRef>
+          <a:fillRef idx="0">
+            <a:schemeClr val="dk1"/>
+          </a:fillRef>
+          <a:effectRef idx="0">
+            <a:schemeClr val="dk1"/>
+          </a:effectRef>
+          <a:fontRef idx="minor">
+            <a:schemeClr val="tx1"/>
+          </a:fontRef>
+        </p:style>
+      </p:cxnSp>
+      <p:sp>
+        <p:nvSpPr>
+          <p:cNvPr id="15" name="テキスト ボックス 14">
+            <a:extLst>
+              <a:ext uri="{FF2B5EF4-FFF2-40B4-BE49-F238E27FC236}">
+                <a16:creationId xmlns:a16="http://schemas.microsoft.com/office/drawing/2014/main" id="{08E9CD52-14E2-34F6-E387-9D97E8420C52}"/>
+              </a:ext>
+            </a:extLst>
+          </p:cNvPr>
+          <p:cNvSpPr txBox="1"/>
+          <p:nvPr/>
+        </p:nvSpPr>
+        <p:spPr>
+          <a:xfrm>
+            <a:off x="6587956" y="1359240"/>
+            <a:ext cx="1236236" cy="307777"/>
+          </a:xfrm>
+          <a:prstGeom prst="rect">
+            <a:avLst/>
+          </a:prstGeom>
+          <a:noFill/>
+        </p:spPr>
+        <p:txBody>
+          <a:bodyPr wrap="none" rtlCol="0">
+            <a:spAutoFit/>
+          </a:bodyPr>
+          <a:lstStyle/>
+          <a:p>
+            <a:r>
+              <a:rPr kumimoji="1" lang="ja-JP" altLang="en-US" sz="1400" b="1" dirty="0">
+                <a:solidFill>
+                  <a:srgbClr val="FF0000"/>
+                </a:solidFill>
+              </a:rPr>
+              <a:t>今回は対象外</a:t>
+            </a:r>
+          </a:p>
+        </p:txBody>
+      </p:sp>
+      <p:cxnSp>
+        <p:nvCxnSpPr>
+          <p:cNvPr id="17" name="コネクタ: 曲線 16">
+            <a:extLst>
+              <a:ext uri="{FF2B5EF4-FFF2-40B4-BE49-F238E27FC236}">
+                <a16:creationId xmlns:a16="http://schemas.microsoft.com/office/drawing/2014/main" id="{0C719102-821D-9972-5C7B-F499F09FB944}"/>
+              </a:ext>
+            </a:extLst>
+          </p:cNvPr>
+          <p:cNvCxnSpPr>
+            <a:endCxn id="5" idx="1"/>
+          </p:cNvCxnSpPr>
+          <p:nvPr/>
+        </p:nvCxnSpPr>
+        <p:spPr>
+          <a:xfrm>
+            <a:off x="2689920" y="2810265"/>
+            <a:ext cx="2325960" cy="618735"/>
+          </a:xfrm>
+          <a:prstGeom prst="curvedConnector3">
+            <a:avLst/>
+          </a:prstGeom>
+          <a:ln>
+            <a:headEnd type="none" w="med" len="med"/>
+            <a:tailEnd type="none" w="med" len="med"/>
+          </a:ln>
+        </p:spPr>
+        <p:style>
+          <a:lnRef idx="1">
+            <a:schemeClr val="dk1"/>
+          </a:lnRef>
+          <a:fillRef idx="0">
+            <a:schemeClr val="dk1"/>
+          </a:fillRef>
+          <a:effectRef idx="0">
+            <a:schemeClr val="dk1"/>
+          </a:effectRef>
+          <a:fontRef idx="minor">
+            <a:schemeClr val="tx1"/>
+          </a:fontRef>
+        </p:style>
+      </p:cxnSp>
+      <p:cxnSp>
+        <p:nvCxnSpPr>
+          <p:cNvPr id="18" name="コネクタ: 曲線 17">
+            <a:extLst>
+              <a:ext uri="{FF2B5EF4-FFF2-40B4-BE49-F238E27FC236}">
+                <a16:creationId xmlns:a16="http://schemas.microsoft.com/office/drawing/2014/main" id="{2711E37A-EA64-0085-A966-C85725DA0FD6}"/>
+              </a:ext>
+            </a:extLst>
+          </p:cNvPr>
+          <p:cNvCxnSpPr>
+            <a:cxnSpLocks/>
+            <a:endCxn id="5" idx="1"/>
+          </p:cNvCxnSpPr>
+          <p:nvPr/>
+        </p:nvCxnSpPr>
+        <p:spPr>
+          <a:xfrm flipV="1">
+            <a:off x="2689920" y="3429000"/>
+            <a:ext cx="2325960" cy="1064264"/>
+          </a:xfrm>
+          <a:prstGeom prst="curvedConnector3">
+            <a:avLst/>
+          </a:prstGeom>
+          <a:ln>
+            <a:headEnd type="none" w="med" len="med"/>
+            <a:tailEnd type="none" w="med" len="med"/>
+          </a:ln>
+        </p:spPr>
+        <p:style>
+          <a:lnRef idx="1">
+            <a:schemeClr val="dk1"/>
+          </a:lnRef>
+          <a:fillRef idx="0">
+            <a:schemeClr val="dk1"/>
+          </a:fillRef>
+          <a:effectRef idx="0">
+            <a:schemeClr val="dk1"/>
+          </a:effectRef>
+          <a:fontRef idx="minor">
+            <a:schemeClr val="tx1"/>
+          </a:fontRef>
+        </p:style>
+      </p:cxnSp>
+      <p:pic>
+        <p:nvPicPr>
+          <p:cNvPr id="21" name="グラフィックス 20" descr="ユーザー 単色塗りつぶし">
+            <a:extLst>
+              <a:ext uri="{FF2B5EF4-FFF2-40B4-BE49-F238E27FC236}">
+                <a16:creationId xmlns:a16="http://schemas.microsoft.com/office/drawing/2014/main" id="{BD6DFE98-F021-73CF-E14D-DB89723FEA87}"/>
+              </a:ext>
+            </a:extLst>
+          </p:cNvPr>
+          <p:cNvPicPr>
+            <a:picLocks noChangeAspect="1"/>
+          </p:cNvPicPr>
+          <p:nvPr/>
+        </p:nvPicPr>
+        <p:blipFill>
+          <a:blip r:embed="rId2">
+            <a:extLst>
+              <a:ext uri="{96DAC541-7B7A-43D3-8B79-37D633B846F1}">
+                <asvg:svgBlip xmlns:asvg="http://schemas.microsoft.com/office/drawing/2016/SVG/main" r:embed="rId3"/>
+              </a:ext>
+            </a:extLst>
+          </a:blip>
+          <a:stretch>
+            <a:fillRect/>
+          </a:stretch>
+        </p:blipFill>
+        <p:spPr>
+          <a:xfrm>
+            <a:off x="8925776" y="4036064"/>
+            <a:ext cx="914400" cy="914400"/>
+          </a:xfrm>
+          <a:prstGeom prst="rect">
+            <a:avLst/>
+          </a:prstGeom>
+        </p:spPr>
+      </p:pic>
+      <p:sp>
+        <p:nvSpPr>
+          <p:cNvPr id="22" name="テキスト ボックス 21">
+            <a:extLst>
+              <a:ext uri="{FF2B5EF4-FFF2-40B4-BE49-F238E27FC236}">
+                <a16:creationId xmlns:a16="http://schemas.microsoft.com/office/drawing/2014/main" id="{FD2D3DF2-9933-B0D7-347B-3F89A8E270C6}"/>
+              </a:ext>
+            </a:extLst>
+          </p:cNvPr>
+          <p:cNvSpPr txBox="1"/>
+          <p:nvPr/>
+        </p:nvSpPr>
+        <p:spPr>
+          <a:xfrm>
+            <a:off x="8493728" y="4931876"/>
+            <a:ext cx="1829347" cy="307777"/>
+          </a:xfrm>
+          <a:prstGeom prst="rect">
+            <a:avLst/>
+          </a:prstGeom>
+          <a:noFill/>
+        </p:spPr>
+        <p:txBody>
+          <a:bodyPr wrap="none" rtlCol="0">
+            <a:spAutoFit/>
+          </a:bodyPr>
+          <a:lstStyle/>
+          <a:p>
+            <a:pPr algn="ctr"/>
+            <a:r>
+              <a:rPr kumimoji="1" lang="ja-JP" altLang="en-US" sz="1400" dirty="0"/>
+              <a:t>システム管理者（私）</a:t>
+            </a:r>
+          </a:p>
+        </p:txBody>
+      </p:sp>
+      <p:cxnSp>
+        <p:nvCxnSpPr>
+          <p:cNvPr id="23" name="コネクタ: 曲線 22">
+            <a:extLst>
+              <a:ext uri="{FF2B5EF4-FFF2-40B4-BE49-F238E27FC236}">
+                <a16:creationId xmlns:a16="http://schemas.microsoft.com/office/drawing/2014/main" id="{D6C52C14-9097-7E02-296A-2821184BCF5D}"/>
+              </a:ext>
+            </a:extLst>
+          </p:cNvPr>
+          <p:cNvCxnSpPr>
+            <a:cxnSpLocks/>
+            <a:endCxn id="5" idx="3"/>
+          </p:cNvCxnSpPr>
+          <p:nvPr/>
+        </p:nvCxnSpPr>
+        <p:spPr>
+          <a:xfrm rot="10800000">
+            <a:off x="7176121" y="3429000"/>
+            <a:ext cx="1693791" cy="1064264"/>
+          </a:xfrm>
+          <a:prstGeom prst="curvedConnector3">
+            <a:avLst>
+              <a:gd name="adj1" fmla="val 50000"/>
+            </a:avLst>
+          </a:prstGeom>
+          <a:ln>
+            <a:headEnd type="none" w="med" len="med"/>
+            <a:tailEnd type="none" w="med" len="med"/>
+          </a:ln>
+        </p:spPr>
+        <p:style>
+          <a:lnRef idx="1">
+            <a:schemeClr val="dk1"/>
+          </a:lnRef>
+          <a:fillRef idx="0">
+            <a:schemeClr val="dk1"/>
+          </a:fillRef>
+          <a:effectRef idx="0">
+            <a:schemeClr val="dk1"/>
+          </a:effectRef>
+          <a:fontRef idx="minor">
+            <a:schemeClr val="tx1"/>
+          </a:fontRef>
+        </p:style>
+      </p:cxnSp>
+      <p:sp>
+        <p:nvSpPr>
+          <p:cNvPr id="26" name="吹き出し: 四角形 25">
+            <a:extLst>
+              <a:ext uri="{FF2B5EF4-FFF2-40B4-BE49-F238E27FC236}">
+                <a16:creationId xmlns:a16="http://schemas.microsoft.com/office/drawing/2014/main" id="{2616EE2E-B584-0F0B-C299-18D40E0EBA45}"/>
+              </a:ext>
+            </a:extLst>
+          </p:cNvPr>
+          <p:cNvSpPr/>
+          <p:nvPr/>
+        </p:nvSpPr>
+        <p:spPr>
+          <a:xfrm>
+            <a:off x="8940406" y="3200730"/>
+            <a:ext cx="1872208" cy="711847"/>
+          </a:xfrm>
+          <a:prstGeom prst="wedgeRectCallout">
+            <a:avLst>
+              <a:gd name="adj1" fmla="val -26411"/>
+              <a:gd name="adj2" fmla="val 61474"/>
+            </a:avLst>
+          </a:prstGeom>
+          <a:noFill/>
+          <a:ln w="9525" cap="flat" cmpd="sng" algn="ctr">
+            <a:solidFill>
+              <a:schemeClr val="dk1"/>
+            </a:solidFill>
+            <a:prstDash val="solid"/>
+            <a:round/>
+            <a:headEnd type="none" w="med" len="med"/>
+            <a:tailEnd type="none" w="med" len="med"/>
+          </a:ln>
+        </p:spPr>
+        <p:style>
+          <a:lnRef idx="0">
+            <a:scrgbClr r="0" g="0" b="0"/>
+          </a:lnRef>
+          <a:fillRef idx="0">
+            <a:scrgbClr r="0" g="0" b="0"/>
+          </a:fillRef>
+          <a:effectRef idx="0">
+            <a:scrgbClr r="0" g="0" b="0"/>
+          </a:effectRef>
+          <a:fontRef idx="minor">
+            <a:schemeClr val="dk1"/>
+          </a:fontRef>
+        </p:style>
+        <p:txBody>
+          <a:bodyPr rtlCol="0" anchor="ctr"/>
+          <a:lstStyle/>
+          <a:p>
+            <a:r>
+              <a:rPr kumimoji="1" lang="ja-JP" altLang="en-US" sz="1200" dirty="0"/>
+              <a:t>・保守対応</a:t>
+            </a:r>
+            <a:endParaRPr kumimoji="1" lang="en-US" altLang="ja-JP" sz="1200" dirty="0"/>
+          </a:p>
+          <a:p>
+            <a:r>
+              <a:rPr kumimoji="1" lang="ja-JP" altLang="en-US" sz="1200" dirty="0"/>
+              <a:t>・追加機能開発</a:t>
+            </a:r>
           </a:p>
         </p:txBody>
       </p:sp>
       <p:sp>
         <p:nvSpPr>
-          <p:cNvPr id="12" name="雲 11">
-            <a:extLst>
-              <a:ext uri="{FF2B5EF4-FFF2-40B4-BE49-F238E27FC236}">
-                <a16:creationId xmlns:a16="http://schemas.microsoft.com/office/drawing/2014/main" id="{008666C4-38CC-085C-F2BC-4042B6412EF8}"/>
+          <p:cNvPr id="27" name="吹き出し: 四角形 26">
+            <a:extLst>
+              <a:ext uri="{FF2B5EF4-FFF2-40B4-BE49-F238E27FC236}">
+                <a16:creationId xmlns:a16="http://schemas.microsoft.com/office/drawing/2014/main" id="{F8A89B1A-3191-1F3A-71DF-64FD36B41B5E}"/>
               </a:ext>
             </a:extLst>
           </p:cNvPr>
@@ -7730,8 +7988,304 @@
         </p:nvSpPr>
         <p:spPr>
           <a:xfrm>
-            <a:off x="9336360" y="1829298"/>
-            <a:ext cx="2448272" cy="1186217"/>
+            <a:off x="1291178" y="1251730"/>
+            <a:ext cx="1872208" cy="881126"/>
+          </a:xfrm>
+          <a:prstGeom prst="wedgeRectCallout">
+            <a:avLst>
+              <a:gd name="adj1" fmla="val -6184"/>
+              <a:gd name="adj2" fmla="val 73005"/>
+            </a:avLst>
+          </a:prstGeom>
+          <a:noFill/>
+          <a:ln w="9525" cap="flat" cmpd="sng" algn="ctr">
+            <a:solidFill>
+              <a:schemeClr val="dk1"/>
+            </a:solidFill>
+            <a:prstDash val="solid"/>
+            <a:round/>
+            <a:headEnd type="none" w="med" len="med"/>
+            <a:tailEnd type="none" w="med" len="med"/>
+          </a:ln>
+        </p:spPr>
+        <p:style>
+          <a:lnRef idx="0">
+            <a:scrgbClr r="0" g="0" b="0"/>
+          </a:lnRef>
+          <a:fillRef idx="0">
+            <a:scrgbClr r="0" g="0" b="0"/>
+          </a:fillRef>
+          <a:effectRef idx="0">
+            <a:scrgbClr r="0" g="0" b="0"/>
+          </a:effectRef>
+          <a:fontRef idx="minor">
+            <a:schemeClr val="dk1"/>
+          </a:fontRef>
+        </p:style>
+        <p:txBody>
+          <a:bodyPr rtlCol="0" anchor="ctr"/>
+          <a:lstStyle/>
+          <a:p>
+            <a:r>
+              <a:rPr kumimoji="1" lang="ja-JP" altLang="en-US" sz="1200" dirty="0"/>
+              <a:t>・アカウント作成</a:t>
+            </a:r>
+            <a:endParaRPr kumimoji="1" lang="en-US" altLang="ja-JP" sz="1200" dirty="0"/>
+          </a:p>
+          <a:p>
+            <a:r>
+              <a:rPr kumimoji="1" lang="ja-JP" altLang="en-US" sz="1200" dirty="0"/>
+              <a:t>・タスク登録</a:t>
+            </a:r>
+            <a:endParaRPr kumimoji="1" lang="en-US" altLang="ja-JP" sz="1200" dirty="0"/>
+          </a:p>
+          <a:p>
+            <a:r>
+              <a:rPr kumimoji="1" lang="ja-JP" altLang="en-US" sz="1200" dirty="0"/>
+              <a:t>・タスク更新（編集）</a:t>
+            </a:r>
+            <a:endParaRPr kumimoji="1" lang="en-US" altLang="ja-JP" sz="1200" dirty="0"/>
+          </a:p>
+          <a:p>
+            <a:r>
+              <a:rPr kumimoji="1" lang="ja-JP" altLang="en-US" sz="1200" dirty="0"/>
+              <a:t>・タスク削除（消込）</a:t>
+            </a:r>
+          </a:p>
+        </p:txBody>
+      </p:sp>
+      <p:sp>
+        <p:nvSpPr>
+          <p:cNvPr id="28" name="吹き出し: 四角形 27">
+            <a:extLst>
+              <a:ext uri="{FF2B5EF4-FFF2-40B4-BE49-F238E27FC236}">
+                <a16:creationId xmlns:a16="http://schemas.microsoft.com/office/drawing/2014/main" id="{0752F71B-607F-0A05-B9B6-8B7B71E1FA6A}"/>
+              </a:ext>
+            </a:extLst>
+          </p:cNvPr>
+          <p:cNvSpPr/>
+          <p:nvPr/>
+        </p:nvSpPr>
+        <p:spPr>
+          <a:xfrm>
+            <a:off x="1291178" y="5461198"/>
+            <a:ext cx="1872208" cy="515730"/>
+          </a:xfrm>
+          <a:prstGeom prst="wedgeRectCallout">
+            <a:avLst>
+              <a:gd name="adj1" fmla="val -9637"/>
+              <a:gd name="adj2" fmla="val -86388"/>
+            </a:avLst>
+          </a:prstGeom>
+          <a:noFill/>
+          <a:ln w="9525" cap="flat" cmpd="sng" algn="ctr">
+            <a:solidFill>
+              <a:schemeClr val="dk1"/>
+            </a:solidFill>
+            <a:prstDash val="solid"/>
+            <a:round/>
+            <a:headEnd type="none" w="med" len="med"/>
+            <a:tailEnd type="none" w="med" len="med"/>
+          </a:ln>
+        </p:spPr>
+        <p:style>
+          <a:lnRef idx="0">
+            <a:scrgbClr r="0" g="0" b="0"/>
+          </a:lnRef>
+          <a:fillRef idx="0">
+            <a:scrgbClr r="0" g="0" b="0"/>
+          </a:fillRef>
+          <a:effectRef idx="0">
+            <a:scrgbClr r="0" g="0" b="0"/>
+          </a:effectRef>
+          <a:fontRef idx="minor">
+            <a:schemeClr val="dk1"/>
+          </a:fontRef>
+        </p:style>
+        <p:txBody>
+          <a:bodyPr rtlCol="0" anchor="ctr"/>
+          <a:lstStyle/>
+          <a:p>
+            <a:r>
+              <a:rPr kumimoji="1" lang="ja-JP" altLang="en-US" sz="1200" dirty="0"/>
+              <a:t>（ユーザー</a:t>
+            </a:r>
+            <a:r>
+              <a:rPr kumimoji="1" lang="en-US" altLang="ja-JP" sz="1200" dirty="0"/>
+              <a:t>A</a:t>
+            </a:r>
+            <a:r>
+              <a:rPr kumimoji="1" lang="ja-JP" altLang="en-US" sz="1200" dirty="0"/>
+              <a:t>同様の操作）</a:t>
+            </a:r>
+          </a:p>
+        </p:txBody>
+      </p:sp>
+      <p:sp>
+        <p:nvSpPr>
+          <p:cNvPr id="29" name="正方形/長方形 28">
+            <a:extLst>
+              <a:ext uri="{FF2B5EF4-FFF2-40B4-BE49-F238E27FC236}">
+                <a16:creationId xmlns:a16="http://schemas.microsoft.com/office/drawing/2014/main" id="{C3543F03-E6F6-E2BE-FA56-47843E49FDC1}"/>
+              </a:ext>
+            </a:extLst>
+          </p:cNvPr>
+          <p:cNvSpPr/>
+          <p:nvPr/>
+        </p:nvSpPr>
+        <p:spPr>
+          <a:xfrm>
+            <a:off x="8493728" y="242078"/>
+            <a:ext cx="3472528" cy="1224135"/>
+          </a:xfrm>
+          <a:prstGeom prst="rect">
+            <a:avLst/>
+          </a:prstGeom>
+          <a:solidFill>
+            <a:schemeClr val="bg1">
+              <a:lumMod val="95000"/>
+            </a:schemeClr>
+          </a:solidFill>
+          <a:ln>
+            <a:solidFill>
+              <a:srgbClr val="7030A0"/>
+            </a:solidFill>
+          </a:ln>
+        </p:spPr>
+        <p:style>
+          <a:lnRef idx="2">
+            <a:schemeClr val="accent2">
+              <a:shade val="15000"/>
+            </a:schemeClr>
+          </a:lnRef>
+          <a:fillRef idx="1">
+            <a:schemeClr val="accent2"/>
+          </a:fillRef>
+          <a:effectRef idx="0">
+            <a:schemeClr val="accent2"/>
+          </a:effectRef>
+          <a:fontRef idx="minor">
+            <a:schemeClr val="lt1"/>
+          </a:fontRef>
+        </p:style>
+        <p:txBody>
+          <a:bodyPr rtlCol="0" anchor="ctr"/>
+          <a:lstStyle/>
+          <a:p>
+            <a:r>
+              <a:rPr kumimoji="1" lang="ja-JP" altLang="en-US" sz="1200" b="1" dirty="0">
+                <a:solidFill>
+                  <a:srgbClr val="7030A0"/>
+                </a:solidFill>
+              </a:rPr>
+              <a:t>メモ</a:t>
+            </a:r>
+            <a:endParaRPr kumimoji="1" lang="en-US" altLang="ja-JP" sz="1200" b="1" dirty="0">
+              <a:solidFill>
+                <a:srgbClr val="7030A0"/>
+              </a:solidFill>
+            </a:endParaRPr>
+          </a:p>
+          <a:p>
+            <a:pPr marL="171450" indent="-171450">
+              <a:buFont typeface="Arial" panose="020B0604020202020204" pitchFamily="34" charset="0"/>
+              <a:buChar char="•"/>
+            </a:pPr>
+            <a:r>
+              <a:rPr kumimoji="1" lang="ja-JP" altLang="en-US" sz="1200" dirty="0">
+                <a:solidFill>
+                  <a:srgbClr val="7030A0"/>
+                </a:solidFill>
+              </a:rPr>
+              <a:t>連携するシステムも記載する。</a:t>
+            </a:r>
+            <a:endParaRPr kumimoji="1" lang="en-US" altLang="ja-JP" sz="1200" dirty="0">
+              <a:solidFill>
+                <a:srgbClr val="7030A0"/>
+              </a:solidFill>
+            </a:endParaRPr>
+          </a:p>
+          <a:p>
+            <a:pPr marL="171450" indent="-171450">
+              <a:buFont typeface="Arial" panose="020B0604020202020204" pitchFamily="34" charset="0"/>
+              <a:buChar char="•"/>
+            </a:pPr>
+            <a:r>
+              <a:rPr kumimoji="1" lang="ja-JP" altLang="en-US" sz="1200" dirty="0">
+                <a:solidFill>
+                  <a:srgbClr val="7030A0"/>
+                </a:solidFill>
+              </a:rPr>
+              <a:t>システム管理者も記載する。</a:t>
+            </a:r>
+            <a:endParaRPr kumimoji="1" lang="en-US" altLang="ja-JP" sz="1200" dirty="0">
+              <a:solidFill>
+                <a:srgbClr val="7030A0"/>
+              </a:solidFill>
+            </a:endParaRPr>
+          </a:p>
+          <a:p>
+            <a:pPr marL="171450" indent="-171450">
+              <a:buFont typeface="Arial" panose="020B0604020202020204" pitchFamily="34" charset="0"/>
+              <a:buChar char="•"/>
+            </a:pPr>
+            <a:r>
+              <a:rPr kumimoji="1" lang="ja-JP" altLang="en-US" sz="1200" dirty="0">
+                <a:solidFill>
+                  <a:srgbClr val="7030A0"/>
+                </a:solidFill>
+              </a:rPr>
+              <a:t>初回でユースケースを抽出できなくても、行動シナリオ（業務フロー）を検討しながら追記していく。</a:t>
+            </a:r>
+          </a:p>
+        </p:txBody>
+      </p:sp>
+    </p:spTree>
+    <p:extLst>
+      <p:ext uri="{BB962C8B-B14F-4D97-AF65-F5344CB8AC3E}">
+        <p14:creationId xmlns:p14="http://schemas.microsoft.com/office/powerpoint/2010/main" val="2770112012"/>
+      </p:ext>
+    </p:extLst>
+  </p:cSld>
+  <p:clrMapOvr>
+    <a:masterClrMapping/>
+  </p:clrMapOvr>
+</p:sld>
+</file>
+
+<file path=ppt/slides/slide5.xml><?xml version="1.0" encoding="utf-8"?>
+<p:sld xmlns:a="http://schemas.openxmlformats.org/drawingml/2006/main" xmlns:r="http://schemas.openxmlformats.org/officeDocument/2006/relationships" xmlns:p="http://schemas.openxmlformats.org/presentationml/2006/main">
+  <p:cSld>
+    <p:spTree>
+      <p:nvGrpSpPr>
+        <p:cNvPr id="1" name=""/>
+        <p:cNvGrpSpPr/>
+        <p:nvPr/>
+      </p:nvGrpSpPr>
+      <p:grpSpPr>
+        <a:xfrm>
+          <a:off x="0" y="0"/>
+          <a:ext cx="0" cy="0"/>
+          <a:chOff x="0" y="0"/>
+          <a:chExt cx="0" cy="0"/>
+        </a:xfrm>
+      </p:grpSpPr>
+      <p:sp>
+        <p:nvSpPr>
+          <p:cNvPr id="67" name="雲 66">
+            <a:extLst>
+              <a:ext uri="{FF2B5EF4-FFF2-40B4-BE49-F238E27FC236}">
+                <a16:creationId xmlns:a16="http://schemas.microsoft.com/office/drawing/2014/main" id="{9EBB579C-DC48-AF43-13AD-47BD66D2F829}"/>
+              </a:ext>
+            </a:extLst>
+          </p:cNvPr>
+          <p:cNvSpPr/>
+          <p:nvPr/>
+        </p:nvSpPr>
+        <p:spPr>
+          <a:xfrm>
+            <a:off x="4007768" y="3091501"/>
+            <a:ext cx="6496381" cy="2395743"/>
           </a:xfrm>
           <a:prstGeom prst="cloud">
             <a:avLst/>
@@ -7770,6 +8324,58 @@
       </p:sp>
       <p:sp>
         <p:nvSpPr>
+          <p:cNvPr id="12" name="雲 11">
+            <a:extLst>
+              <a:ext uri="{FF2B5EF4-FFF2-40B4-BE49-F238E27FC236}">
+                <a16:creationId xmlns:a16="http://schemas.microsoft.com/office/drawing/2014/main" id="{008666C4-38CC-085C-F2BC-4042B6412EF8}"/>
+              </a:ext>
+            </a:extLst>
+          </p:cNvPr>
+          <p:cNvSpPr/>
+          <p:nvPr/>
+        </p:nvSpPr>
+        <p:spPr>
+          <a:xfrm>
+            <a:off x="9336360" y="1829298"/>
+            <a:ext cx="2448272" cy="1186217"/>
+          </a:xfrm>
+          <a:prstGeom prst="cloud">
+            <a:avLst/>
+          </a:prstGeom>
+          <a:solidFill>
+            <a:schemeClr val="accent5">
+              <a:alpha val="50000"/>
+            </a:schemeClr>
+          </a:solidFill>
+          <a:ln>
+            <a:noFill/>
+          </a:ln>
+        </p:spPr>
+        <p:style>
+          <a:lnRef idx="0">
+            <a:scrgbClr r="0" g="0" b="0"/>
+          </a:lnRef>
+          <a:fillRef idx="0">
+            <a:scrgbClr r="0" g="0" b="0"/>
+          </a:fillRef>
+          <a:effectRef idx="0">
+            <a:scrgbClr r="0" g="0" b="0"/>
+          </a:effectRef>
+          <a:fontRef idx="minor">
+            <a:schemeClr val="lt1"/>
+          </a:fontRef>
+        </p:style>
+        <p:txBody>
+          <a:bodyPr rtlCol="0" anchor="ctr"/>
+          <a:lstStyle/>
+          <a:p>
+            <a:pPr algn="ctr"/>
+            <a:endParaRPr kumimoji="1" lang="ja-JP" altLang="en-US"/>
+          </a:p>
+        </p:txBody>
+      </p:sp>
+      <p:sp>
+        <p:nvSpPr>
           <p:cNvPr id="2" name="タイトル 1">
             <a:extLst>
               <a:ext uri="{FF2B5EF4-FFF2-40B4-BE49-F238E27FC236}">
@@ -7820,7 +8426,7 @@
             <a:fld id="{A49DFD55-3C28-40EF-9E31-A92D2E4017FF}" type="slidenum">
               <a:rPr lang="en-US" altLang="ja-JP" smtClean="0"/>
               <a:pPr/>
-              <a:t>4</a:t>
+              <a:t>5</a:t>
             </a:fld>
             <a:endParaRPr lang="en-US" altLang="en-US" dirty="0"/>
           </a:p>
@@ -8882,6 +9488,230 @@
     <p:extLst>
       <p:ext uri="{BB962C8B-B14F-4D97-AF65-F5344CB8AC3E}">
         <p14:creationId xmlns:p14="http://schemas.microsoft.com/office/powerpoint/2010/main" val="3526992763"/>
+      </p:ext>
+    </p:extLst>
+  </p:cSld>
+  <p:clrMapOvr>
+    <a:masterClrMapping/>
+  </p:clrMapOvr>
+</p:sld>
+</file>
+
+<file path=ppt/slides/slide6.xml><?xml version="1.0" encoding="utf-8"?>
+<p:sld xmlns:a="http://schemas.openxmlformats.org/drawingml/2006/main" xmlns:r="http://schemas.openxmlformats.org/officeDocument/2006/relationships" xmlns:p="http://schemas.openxmlformats.org/presentationml/2006/main">
+  <p:cSld>
+    <p:spTree>
+      <p:nvGrpSpPr>
+        <p:cNvPr id="1" name=""/>
+        <p:cNvGrpSpPr/>
+        <p:nvPr/>
+      </p:nvGrpSpPr>
+      <p:grpSpPr>
+        <a:xfrm>
+          <a:off x="0" y="0"/>
+          <a:ext cx="0" cy="0"/>
+          <a:chOff x="0" y="0"/>
+          <a:chExt cx="0" cy="0"/>
+        </a:xfrm>
+      </p:grpSpPr>
+      <p:sp>
+        <p:nvSpPr>
+          <p:cNvPr id="2" name="タイトル 1">
+            <a:extLst>
+              <a:ext uri="{FF2B5EF4-FFF2-40B4-BE49-F238E27FC236}">
+                <a16:creationId xmlns:a16="http://schemas.microsoft.com/office/drawing/2014/main" id="{77FB9E7B-74EA-0325-0DFD-1CCC48672D57}"/>
+              </a:ext>
+            </a:extLst>
+          </p:cNvPr>
+          <p:cNvSpPr>
+            <a:spLocks noGrp="1"/>
+          </p:cNvSpPr>
+          <p:nvPr>
+            <p:ph type="title"/>
+          </p:nvPr>
+        </p:nvSpPr>
+        <p:spPr/>
+        <p:txBody>
+          <a:bodyPr/>
+          <a:lstStyle/>
+          <a:p>
+            <a:r>
+              <a:rPr kumimoji="1" lang="ja-JP" altLang="en-US" dirty="0"/>
+              <a:t>概念データモデル</a:t>
+            </a:r>
+          </a:p>
+        </p:txBody>
+      </p:sp>
+      <p:sp>
+        <p:nvSpPr>
+          <p:cNvPr id="4" name="スライド番号プレースホルダー 3">
+            <a:extLst>
+              <a:ext uri="{FF2B5EF4-FFF2-40B4-BE49-F238E27FC236}">
+                <a16:creationId xmlns:a16="http://schemas.microsoft.com/office/drawing/2014/main" id="{875159B0-97E1-0952-F127-B09198D4359B}"/>
+              </a:ext>
+            </a:extLst>
+          </p:cNvPr>
+          <p:cNvSpPr>
+            <a:spLocks noGrp="1"/>
+          </p:cNvSpPr>
+          <p:nvPr>
+            <p:ph type="sldNum" sz="quarter" idx="12"/>
+          </p:nvPr>
+        </p:nvSpPr>
+        <p:spPr/>
+        <p:txBody>
+          <a:bodyPr/>
+          <a:lstStyle/>
+          <a:p>
+            <a:fld id="{A49DFD55-3C28-40EF-9E31-A92D2E4017FF}" type="slidenum">
+              <a:rPr lang="en-US" altLang="ja-JP" smtClean="0"/>
+              <a:pPr/>
+              <a:t>6</a:t>
+            </a:fld>
+            <a:endParaRPr lang="en-US" altLang="en-US" dirty="0"/>
+          </a:p>
+        </p:txBody>
+      </p:sp>
+      <p:sp>
+        <p:nvSpPr>
+          <p:cNvPr id="5" name="四角形: 角を丸くする 4">
+            <a:extLst>
+              <a:ext uri="{FF2B5EF4-FFF2-40B4-BE49-F238E27FC236}">
+                <a16:creationId xmlns:a16="http://schemas.microsoft.com/office/drawing/2014/main" id="{E17A9C58-82F2-C2A7-4845-E94353736276}"/>
+              </a:ext>
+            </a:extLst>
+          </p:cNvPr>
+          <p:cNvSpPr/>
+          <p:nvPr/>
+        </p:nvSpPr>
+        <p:spPr>
+          <a:xfrm>
+            <a:off x="3503712" y="2780928"/>
+            <a:ext cx="1728192" cy="648072"/>
+          </a:xfrm>
+          <a:prstGeom prst="roundRect">
+            <a:avLst/>
+          </a:prstGeom>
+        </p:spPr>
+        <p:style>
+          <a:lnRef idx="2">
+            <a:schemeClr val="dk1"/>
+          </a:lnRef>
+          <a:fillRef idx="1">
+            <a:schemeClr val="lt1"/>
+          </a:fillRef>
+          <a:effectRef idx="0">
+            <a:schemeClr val="dk1"/>
+          </a:effectRef>
+          <a:fontRef idx="minor">
+            <a:schemeClr val="dk1"/>
+          </a:fontRef>
+        </p:style>
+        <p:txBody>
+          <a:bodyPr rtlCol="0" anchor="ctr"/>
+          <a:lstStyle/>
+          <a:p>
+            <a:pPr algn="ctr"/>
+            <a:r>
+              <a:rPr kumimoji="1" lang="ja-JP" altLang="en-US" dirty="0"/>
+              <a:t>ユーザー</a:t>
+            </a:r>
+          </a:p>
+        </p:txBody>
+      </p:sp>
+      <p:sp>
+        <p:nvSpPr>
+          <p:cNvPr id="6" name="四角形: 角を丸くする 5">
+            <a:extLst>
+              <a:ext uri="{FF2B5EF4-FFF2-40B4-BE49-F238E27FC236}">
+                <a16:creationId xmlns:a16="http://schemas.microsoft.com/office/drawing/2014/main" id="{EF338186-7D1C-98C4-C518-63EFD970E793}"/>
+              </a:ext>
+            </a:extLst>
+          </p:cNvPr>
+          <p:cNvSpPr/>
+          <p:nvPr/>
+        </p:nvSpPr>
+        <p:spPr>
+          <a:xfrm>
+            <a:off x="7032104" y="3356992"/>
+            <a:ext cx="1728192" cy="648072"/>
+          </a:xfrm>
+          <a:prstGeom prst="roundRect">
+            <a:avLst/>
+          </a:prstGeom>
+        </p:spPr>
+        <p:style>
+          <a:lnRef idx="2">
+            <a:schemeClr val="dk1"/>
+          </a:lnRef>
+          <a:fillRef idx="1">
+            <a:schemeClr val="lt1"/>
+          </a:fillRef>
+          <a:effectRef idx="0">
+            <a:schemeClr val="dk1"/>
+          </a:effectRef>
+          <a:fontRef idx="minor">
+            <a:schemeClr val="dk1"/>
+          </a:fontRef>
+        </p:style>
+        <p:txBody>
+          <a:bodyPr rtlCol="0" anchor="ctr"/>
+          <a:lstStyle/>
+          <a:p>
+            <a:pPr algn="ctr"/>
+            <a:r>
+              <a:rPr kumimoji="1" lang="ja-JP" altLang="en-US" dirty="0"/>
+              <a:t>タスク</a:t>
+            </a:r>
+          </a:p>
+        </p:txBody>
+      </p:sp>
+      <p:cxnSp>
+        <p:nvCxnSpPr>
+          <p:cNvPr id="8" name="コネクタ: カギ線 7">
+            <a:extLst>
+              <a:ext uri="{FF2B5EF4-FFF2-40B4-BE49-F238E27FC236}">
+                <a16:creationId xmlns:a16="http://schemas.microsoft.com/office/drawing/2014/main" id="{3A19AF1C-531C-8C89-C084-C3868635CD2E}"/>
+              </a:ext>
+            </a:extLst>
+          </p:cNvPr>
+          <p:cNvCxnSpPr>
+            <a:stCxn id="5" idx="3"/>
+            <a:endCxn id="6" idx="1"/>
+          </p:cNvCxnSpPr>
+          <p:nvPr/>
+        </p:nvCxnSpPr>
+        <p:spPr>
+          <a:xfrm>
+            <a:off x="5231904" y="3104964"/>
+            <a:ext cx="1800200" cy="576064"/>
+          </a:xfrm>
+          <a:prstGeom prst="curvedConnector3">
+            <a:avLst/>
+          </a:prstGeom>
+          <a:ln w="19050">
+            <a:tailEnd type="oval"/>
+          </a:ln>
+        </p:spPr>
+        <p:style>
+          <a:lnRef idx="1">
+            <a:schemeClr val="dk1"/>
+          </a:lnRef>
+          <a:fillRef idx="0">
+            <a:schemeClr val="dk1"/>
+          </a:fillRef>
+          <a:effectRef idx="0">
+            <a:schemeClr val="dk1"/>
+          </a:effectRef>
+          <a:fontRef idx="minor">
+            <a:schemeClr val="tx1"/>
+          </a:fontRef>
+        </p:style>
+      </p:cxnSp>
+    </p:spTree>
+    <p:extLst>
+      <p:ext uri="{BB962C8B-B14F-4D97-AF65-F5344CB8AC3E}">
+        <p14:creationId xmlns:p14="http://schemas.microsoft.com/office/powerpoint/2010/main" val="4094473785"/>
       </p:ext>
     </p:extLst>
   </p:cSld>
